--- a/docs/images/dotnet-lambda-cicd-architecture-diagram.pptx
+++ b/docs/images/dotnet-lambda-cicd-architecture-diagram.pptx
@@ -9820,7 +9820,7 @@
         <p:spPr>
           <a:xfrm>
             <a:off x="2878885" y="1258247"/>
-            <a:ext cx="6434228" cy="5413486"/>
+            <a:ext cx="6320767" cy="5413486"/>
           </a:xfrm>
           <a:prstGeom prst="rect">
             <a:avLst/>
@@ -10593,7 +10593,7 @@
         </p:blipFill>
         <p:spPr bwMode="auto">
           <a:xfrm>
-            <a:off x="7897075" y="5216060"/>
+            <a:off x="7897075" y="5217406"/>
             <a:ext cx="762000" cy="762000"/>
           </a:xfrm>
           <a:prstGeom prst="rect">
@@ -10975,7 +10975,7 @@
         </p:blipFill>
         <p:spPr bwMode="auto">
           <a:xfrm>
-            <a:off x="5327869" y="5371152"/>
+            <a:off x="5327869" y="5369806"/>
             <a:ext cx="457200" cy="457200"/>
           </a:xfrm>
           <a:prstGeom prst="rect">
@@ -11035,7 +11035,7 @@
         </p:blipFill>
         <p:spPr bwMode="auto">
           <a:xfrm>
-            <a:off x="3757523" y="5218752"/>
+            <a:off x="3757523" y="5217406"/>
             <a:ext cx="762000" cy="762000"/>
           </a:xfrm>
           <a:prstGeom prst="rect">
@@ -11289,8 +11289,8 @@
         </p:nvCxnSpPr>
         <p:spPr>
           <a:xfrm flipV="1">
-            <a:off x="5730793" y="5598781"/>
-            <a:ext cx="827789" cy="972"/>
+            <a:off x="5720283" y="5598406"/>
+            <a:ext cx="827789" cy="1347"/>
           </a:xfrm>
           <a:prstGeom prst="straightConnector1">
             <a:avLst/>
@@ -11556,9 +11556,9 @@
           <p:nvPr/>
         </p:nvCxnSpPr>
         <p:spPr>
-          <a:xfrm flipV="1">
-            <a:off x="7015782" y="5597060"/>
-            <a:ext cx="881293" cy="1721"/>
+          <a:xfrm>
+            <a:off x="7005272" y="5598406"/>
+            <a:ext cx="891803" cy="0"/>
           </a:xfrm>
           <a:prstGeom prst="straightConnector1">
             <a:avLst/>
@@ -11568,7 +11568,7 @@
               <a:schemeClr val="tx2"/>
             </a:solidFill>
             <a:headEnd type="arrow" w="med" len="sm"/>
-            <a:tailEnd type="none" w="med" len="sm"/>
+            <a:tailEnd type="arrow" w="med" len="sm"/>
           </a:ln>
         </p:spPr>
         <p:style>
@@ -11652,7 +11652,7 @@
         <p:spPr>
           <a:xfrm flipV="1">
             <a:off x="4138523" y="4863819"/>
-            <a:ext cx="0" cy="354933"/>
+            <a:ext cx="0" cy="353587"/>
           </a:xfrm>
           <a:prstGeom prst="straightConnector1">
             <a:avLst/>
@@ -11896,7 +11896,7 @@
                 <a:latin typeface="Arial" panose="020B0604020202020204" pitchFamily="34" charset="0"/>
                 <a:cs typeface="Arial" panose="020B0604020202020204" pitchFamily="34" charset="0"/>
               </a:rPr>
-              <a:t>User</a:t>
+              <a:t>Developer</a:t>
             </a:r>
           </a:p>
         </p:txBody>
@@ -12174,7 +12174,7 @@
         </p:nvSpPr>
         <p:spPr bwMode="auto">
           <a:xfrm>
-            <a:off x="6097656" y="5988106"/>
+            <a:off x="6087146" y="5988106"/>
             <a:ext cx="1362074" cy="276999"/>
           </a:xfrm>
           <a:prstGeom prst="rect">
@@ -12348,7 +12348,7 @@
         </p:blipFill>
         <p:spPr bwMode="auto">
           <a:xfrm>
-            <a:off x="6558582" y="5370181"/>
+            <a:off x="6548072" y="5369806"/>
             <a:ext cx="457200" cy="457200"/>
           </a:xfrm>
           <a:prstGeom prst="rect">
@@ -12379,6 +12379,274 @@
           </a:extLst>
         </p:spPr>
       </p:pic>
+      <p:pic>
+        <p:nvPicPr>
+          <p:cNvPr id="45" name="Graphic 23">
+            <a:extLst>
+              <a:ext uri="{FF2B5EF4-FFF2-40B4-BE49-F238E27FC236}">
+                <a16:creationId xmlns:a16="http://schemas.microsoft.com/office/drawing/2014/main" id="{D00AF87E-73AF-4872-AEAE-9896B76842BB}"/>
+              </a:ext>
+            </a:extLst>
+          </p:cNvPr>
+          <p:cNvPicPr>
+            <a:picLocks noChangeAspect="1" noChangeArrowheads="1"/>
+          </p:cNvPicPr>
+          <p:nvPr/>
+        </p:nvPicPr>
+        <p:blipFill>
+          <a:blip r:embed="rId17">
+            <a:extLst>
+              <a:ext uri="{96DAC541-7B7A-43D3-8B79-37D633B846F1}">
+                <asvg:svgBlip xmlns:asvg="http://schemas.microsoft.com/office/drawing/2016/SVG/main" r:embed="rId18"/>
+              </a:ext>
+            </a:extLst>
+          </a:blip>
+          <a:srcRect/>
+          <a:stretch/>
+        </p:blipFill>
+        <p:spPr bwMode="auto">
+          <a:xfrm flipH="1">
+            <a:off x="9597591" y="5363456"/>
+            <a:ext cx="469900" cy="469900"/>
+          </a:xfrm>
+          <a:prstGeom prst="rect">
+            <a:avLst/>
+          </a:prstGeom>
+          <a:noFill/>
+          <a:ln>
+            <a:noFill/>
+          </a:ln>
+          <a:extLst>
+            <a:ext uri="{909E8E84-426E-40DD-AFC4-6F175D3DCCD1}">
+              <a14:hiddenFill xmlns:a14="http://schemas.microsoft.com/office/drawing/2010/main">
+                <a:solidFill>
+                  <a:srgbClr val="FFFFFF"/>
+                </a:solidFill>
+              </a14:hiddenFill>
+            </a:ext>
+            <a:ext uri="{91240B29-F687-4F45-9708-019B960494DF}">
+              <a14:hiddenLine xmlns:a14="http://schemas.microsoft.com/office/drawing/2010/main" w="9525">
+                <a:solidFill>
+                  <a:srgbClr val="000000"/>
+                </a:solidFill>
+                <a:miter lim="800000"/>
+                <a:headEnd/>
+                <a:tailEnd/>
+              </a14:hiddenLine>
+            </a:ext>
+          </a:extLst>
+        </p:spPr>
+      </p:pic>
+      <p:sp>
+        <p:nvSpPr>
+          <p:cNvPr id="46" name="TextBox 40">
+            <a:extLst>
+              <a:ext uri="{FF2B5EF4-FFF2-40B4-BE49-F238E27FC236}">
+                <a16:creationId xmlns:a16="http://schemas.microsoft.com/office/drawing/2014/main" id="{944F75AB-7FF8-4E28-8005-D913D269610C}"/>
+              </a:ext>
+            </a:extLst>
+          </p:cNvPr>
+          <p:cNvSpPr txBox="1">
+            <a:spLocks noChangeArrowheads="1"/>
+          </p:cNvSpPr>
+          <p:nvPr/>
+        </p:nvSpPr>
+        <p:spPr bwMode="auto">
+          <a:xfrm>
+            <a:off x="9295966" y="5980752"/>
+            <a:ext cx="1073150" cy="276999"/>
+          </a:xfrm>
+          <a:prstGeom prst="rect">
+            <a:avLst/>
+          </a:prstGeom>
+          <a:noFill/>
+          <a:ln>
+            <a:noFill/>
+          </a:ln>
+          <a:extLst>
+            <a:ext uri="{909E8E84-426E-40DD-AFC4-6F175D3DCCD1}">
+              <a14:hiddenFill xmlns:a14="http://schemas.microsoft.com/office/drawing/2010/main">
+                <a:solidFill>
+                  <a:srgbClr val="FFFFFF"/>
+                </a:solidFill>
+              </a14:hiddenFill>
+            </a:ext>
+            <a:ext uri="{91240B29-F687-4F45-9708-019B960494DF}">
+              <a14:hiddenLine xmlns:a14="http://schemas.microsoft.com/office/drawing/2010/main" w="9525">
+                <a:solidFill>
+                  <a:srgbClr val="000000"/>
+                </a:solidFill>
+                <a:miter lim="800000"/>
+                <a:headEnd/>
+                <a:tailEnd/>
+              </a14:hiddenLine>
+            </a:ext>
+          </a:extLst>
+        </p:spPr>
+        <p:txBody>
+          <a:bodyPr>
+            <a:spAutoFit/>
+          </a:bodyPr>
+          <a:lstStyle>
+            <a:lvl1pPr>
+              <a:defRPr>
+                <a:solidFill>
+                  <a:schemeClr val="tx1"/>
+                </a:solidFill>
+                <a:latin typeface="Calibri" panose="020F0502020204030204" pitchFamily="34" charset="0"/>
+              </a:defRPr>
+            </a:lvl1pPr>
+            <a:lvl2pPr marL="742950" indent="-285750">
+              <a:defRPr>
+                <a:solidFill>
+                  <a:schemeClr val="tx1"/>
+                </a:solidFill>
+                <a:latin typeface="Calibri" panose="020F0502020204030204" pitchFamily="34" charset="0"/>
+              </a:defRPr>
+            </a:lvl2pPr>
+            <a:lvl3pPr marL="1143000" indent="-228600">
+              <a:defRPr>
+                <a:solidFill>
+                  <a:schemeClr val="tx1"/>
+                </a:solidFill>
+                <a:latin typeface="Calibri" panose="020F0502020204030204" pitchFamily="34" charset="0"/>
+              </a:defRPr>
+            </a:lvl3pPr>
+            <a:lvl4pPr marL="1600200" indent="-228600">
+              <a:defRPr>
+                <a:solidFill>
+                  <a:schemeClr val="tx1"/>
+                </a:solidFill>
+                <a:latin typeface="Calibri" panose="020F0502020204030204" pitchFamily="34" charset="0"/>
+              </a:defRPr>
+            </a:lvl4pPr>
+            <a:lvl5pPr marL="2057400" indent="-228600">
+              <a:defRPr>
+                <a:solidFill>
+                  <a:schemeClr val="tx1"/>
+                </a:solidFill>
+                <a:latin typeface="Calibri" panose="020F0502020204030204" pitchFamily="34" charset="0"/>
+              </a:defRPr>
+            </a:lvl5pPr>
+            <a:lvl6pPr marL="2514600" indent="-228600" eaLnBrk="0" fontAlgn="base" hangingPunct="0">
+              <a:spcBef>
+                <a:spcPct val="0"/>
+              </a:spcBef>
+              <a:spcAft>
+                <a:spcPct val="0"/>
+              </a:spcAft>
+              <a:defRPr>
+                <a:solidFill>
+                  <a:schemeClr val="tx1"/>
+                </a:solidFill>
+                <a:latin typeface="Calibri" panose="020F0502020204030204" pitchFamily="34" charset="0"/>
+              </a:defRPr>
+            </a:lvl6pPr>
+            <a:lvl7pPr marL="2971800" indent="-228600" eaLnBrk="0" fontAlgn="base" hangingPunct="0">
+              <a:spcBef>
+                <a:spcPct val="0"/>
+              </a:spcBef>
+              <a:spcAft>
+                <a:spcPct val="0"/>
+              </a:spcAft>
+              <a:defRPr>
+                <a:solidFill>
+                  <a:schemeClr val="tx1"/>
+                </a:solidFill>
+                <a:latin typeface="Calibri" panose="020F0502020204030204" pitchFamily="34" charset="0"/>
+              </a:defRPr>
+            </a:lvl7pPr>
+            <a:lvl8pPr marL="3429000" indent="-228600" eaLnBrk="0" fontAlgn="base" hangingPunct="0">
+              <a:spcBef>
+                <a:spcPct val="0"/>
+              </a:spcBef>
+              <a:spcAft>
+                <a:spcPct val="0"/>
+              </a:spcAft>
+              <a:defRPr>
+                <a:solidFill>
+                  <a:schemeClr val="tx1"/>
+                </a:solidFill>
+                <a:latin typeface="Calibri" panose="020F0502020204030204" pitchFamily="34" charset="0"/>
+              </a:defRPr>
+            </a:lvl8pPr>
+            <a:lvl9pPr marL="3886200" indent="-228600" eaLnBrk="0" fontAlgn="base" hangingPunct="0">
+              <a:spcBef>
+                <a:spcPct val="0"/>
+              </a:spcBef>
+              <a:spcAft>
+                <a:spcPct val="0"/>
+              </a:spcAft>
+              <a:defRPr>
+                <a:solidFill>
+                  <a:schemeClr val="tx1"/>
+                </a:solidFill>
+                <a:latin typeface="Calibri" panose="020F0502020204030204" pitchFamily="34" charset="0"/>
+              </a:defRPr>
+            </a:lvl9pPr>
+          </a:lstStyle>
+          <a:p>
+            <a:pPr algn="ctr" eaLnBrk="1" hangingPunct="1"/>
+            <a:r>
+              <a:rPr lang="en-US" altLang="en-US" sz="1200" dirty="0">
+                <a:solidFill>
+                  <a:srgbClr val="000000"/>
+                </a:solidFill>
+                <a:latin typeface="Arial" panose="020B0604020202020204" pitchFamily="34" charset="0"/>
+                <a:cs typeface="Arial" panose="020B0604020202020204" pitchFamily="34" charset="0"/>
+              </a:rPr>
+              <a:t>Clients</a:t>
+            </a:r>
+          </a:p>
+        </p:txBody>
+      </p:sp>
+      <p:cxnSp>
+        <p:nvCxnSpPr>
+          <p:cNvPr id="49" name="Straight Arrow Connector 48">
+            <a:extLst>
+              <a:ext uri="{FF2B5EF4-FFF2-40B4-BE49-F238E27FC236}">
+                <a16:creationId xmlns:a16="http://schemas.microsoft.com/office/drawing/2014/main" id="{675B621A-D843-404D-BD02-AB581B3492CF}"/>
+              </a:ext>
+            </a:extLst>
+          </p:cNvPr>
+          <p:cNvCxnSpPr>
+            <a:cxnSpLocks/>
+            <a:stCxn id="51" idx="3"/>
+            <a:endCxn id="45" idx="3"/>
+          </p:cNvCxnSpPr>
+          <p:nvPr/>
+        </p:nvCxnSpPr>
+        <p:spPr>
+          <a:xfrm>
+            <a:off x="8659075" y="5598406"/>
+            <a:ext cx="938516" cy="0"/>
+          </a:xfrm>
+          <a:prstGeom prst="straightConnector1">
+            <a:avLst/>
+          </a:prstGeom>
+          <a:ln w="12700">
+            <a:solidFill>
+              <a:schemeClr val="tx2"/>
+            </a:solidFill>
+            <a:headEnd type="arrow" w="med" len="sm"/>
+            <a:tailEnd type="arrow" w="med" len="sm"/>
+          </a:ln>
+        </p:spPr>
+        <p:style>
+          <a:lnRef idx="1">
+            <a:schemeClr val="accent1"/>
+          </a:lnRef>
+          <a:fillRef idx="0">
+            <a:schemeClr val="accent1"/>
+          </a:fillRef>
+          <a:effectRef idx="0">
+            <a:schemeClr val="accent1"/>
+          </a:effectRef>
+          <a:fontRef idx="minor">
+            <a:schemeClr val="tx1"/>
+          </a:fontRef>
+        </p:style>
+      </p:cxnSp>
     </p:spTree>
     <p:extLst>
       <p:ext uri="{BB962C8B-B14F-4D97-AF65-F5344CB8AC3E}">

--- a/docs/images/dotnet-lambda-cicd-architecture-diagram.pptx
+++ b/docs/images/dotnet-lambda-cicd-architecture-diagram.pptx
@@ -9,7 +9,8 @@
     <p:sldId id="257" r:id="rId3"/>
     <p:sldId id="258" r:id="rId4"/>
     <p:sldId id="260" r:id="rId5"/>
-    <p:sldId id="259" r:id="rId6"/>
+    <p:sldId id="261" r:id="rId6"/>
+    <p:sldId id="259" r:id="rId7"/>
   </p:sldIdLst>
   <p:sldSz cx="12192000" cy="6858000"/>
   <p:notesSz cx="6858000" cy="9144000"/>
@@ -263,7 +264,7 @@
           <a:p>
             <a:fld id="{6704C33A-EA2C-8541-A0B3-3E92B4AD0F5B}" type="datetimeFigureOut">
               <a:rPr lang="en-US" smtClean="0"/>
-              <a:t>12/9/2021</a:t>
+              <a:t>12/13/2021</a:t>
             </a:fld>
             <a:endParaRPr lang="en-US"/>
           </a:p>
@@ -461,7 +462,7 @@
           <a:p>
             <a:fld id="{6704C33A-EA2C-8541-A0B3-3E92B4AD0F5B}" type="datetimeFigureOut">
               <a:rPr lang="en-US" smtClean="0"/>
-              <a:t>12/9/2021</a:t>
+              <a:t>12/13/2021</a:t>
             </a:fld>
             <a:endParaRPr lang="en-US"/>
           </a:p>
@@ -669,7 +670,7 @@
           <a:p>
             <a:fld id="{6704C33A-EA2C-8541-A0B3-3E92B4AD0F5B}" type="datetimeFigureOut">
               <a:rPr lang="en-US" smtClean="0"/>
-              <a:t>12/9/2021</a:t>
+              <a:t>12/13/2021</a:t>
             </a:fld>
             <a:endParaRPr lang="en-US"/>
           </a:p>
@@ -867,7 +868,7 @@
           <a:p>
             <a:fld id="{6704C33A-EA2C-8541-A0B3-3E92B4AD0F5B}" type="datetimeFigureOut">
               <a:rPr lang="en-US" smtClean="0"/>
-              <a:t>12/9/2021</a:t>
+              <a:t>12/13/2021</a:t>
             </a:fld>
             <a:endParaRPr lang="en-US"/>
           </a:p>
@@ -1142,7 +1143,7 @@
           <a:p>
             <a:fld id="{6704C33A-EA2C-8541-A0B3-3E92B4AD0F5B}" type="datetimeFigureOut">
               <a:rPr lang="en-US" smtClean="0"/>
-              <a:t>12/9/2021</a:t>
+              <a:t>12/13/2021</a:t>
             </a:fld>
             <a:endParaRPr lang="en-US"/>
           </a:p>
@@ -1407,7 +1408,7 @@
           <a:p>
             <a:fld id="{6704C33A-EA2C-8541-A0B3-3E92B4AD0F5B}" type="datetimeFigureOut">
               <a:rPr lang="en-US" smtClean="0"/>
-              <a:t>12/9/2021</a:t>
+              <a:t>12/13/2021</a:t>
             </a:fld>
             <a:endParaRPr lang="en-US"/>
           </a:p>
@@ -1819,7 +1820,7 @@
           <a:p>
             <a:fld id="{6704C33A-EA2C-8541-A0B3-3E92B4AD0F5B}" type="datetimeFigureOut">
               <a:rPr lang="en-US" smtClean="0"/>
-              <a:t>12/9/2021</a:t>
+              <a:t>12/13/2021</a:t>
             </a:fld>
             <a:endParaRPr lang="en-US"/>
           </a:p>
@@ -1960,7 +1961,7 @@
           <a:p>
             <a:fld id="{6704C33A-EA2C-8541-A0B3-3E92B4AD0F5B}" type="datetimeFigureOut">
               <a:rPr lang="en-US" smtClean="0"/>
-              <a:t>12/9/2021</a:t>
+              <a:t>12/13/2021</a:t>
             </a:fld>
             <a:endParaRPr lang="en-US"/>
           </a:p>
@@ -2073,7 +2074,7 @@
           <a:p>
             <a:fld id="{6704C33A-EA2C-8541-A0B3-3E92B4AD0F5B}" type="datetimeFigureOut">
               <a:rPr lang="en-US" smtClean="0"/>
-              <a:t>12/9/2021</a:t>
+              <a:t>12/13/2021</a:t>
             </a:fld>
             <a:endParaRPr lang="en-US"/>
           </a:p>
@@ -2384,7 +2385,7 @@
           <a:p>
             <a:fld id="{6704C33A-EA2C-8541-A0B3-3E92B4AD0F5B}" type="datetimeFigureOut">
               <a:rPr lang="en-US" smtClean="0"/>
-              <a:t>12/9/2021</a:t>
+              <a:t>12/13/2021</a:t>
             </a:fld>
             <a:endParaRPr lang="en-US"/>
           </a:p>
@@ -2672,7 +2673,7 @@
           <a:p>
             <a:fld id="{6704C33A-EA2C-8541-A0B3-3E92B4AD0F5B}" type="datetimeFigureOut">
               <a:rPr lang="en-US" smtClean="0"/>
-              <a:t>12/9/2021</a:t>
+              <a:t>12/13/2021</a:t>
             </a:fld>
             <a:endParaRPr lang="en-US"/>
           </a:p>
@@ -2913,7 +2914,7 @@
           <a:p>
             <a:fld id="{6704C33A-EA2C-8541-A0B3-3E92B4AD0F5B}" type="datetimeFigureOut">
               <a:rPr lang="en-US" smtClean="0"/>
-              <a:t>12/9/2021</a:t>
+              <a:t>12/13/2021</a:t>
             </a:fld>
             <a:endParaRPr lang="en-US"/>
           </a:p>
@@ -12797,6 +12798,2984 @@
         <p:spPr>
           <a:xfrm>
             <a:off x="2878885" y="1258247"/>
+            <a:ext cx="7013793" cy="5413486"/>
+          </a:xfrm>
+          <a:prstGeom prst="rect">
+            <a:avLst/>
+          </a:prstGeom>
+          <a:noFill/>
+          <a:ln w="12700">
+            <a:solidFill>
+              <a:schemeClr val="tx1"/>
+            </a:solidFill>
+          </a:ln>
+        </p:spPr>
+        <p:style>
+          <a:lnRef idx="2">
+            <a:schemeClr val="accent1">
+              <a:shade val="50000"/>
+            </a:schemeClr>
+          </a:lnRef>
+          <a:fillRef idx="1">
+            <a:schemeClr val="accent1"/>
+          </a:fillRef>
+          <a:effectRef idx="0">
+            <a:schemeClr val="accent1"/>
+          </a:effectRef>
+          <a:fontRef idx="minor">
+            <a:schemeClr val="lt1"/>
+          </a:fontRef>
+        </p:style>
+        <p:txBody>
+          <a:bodyPr lIns="502920" tIns="91440"/>
+          <a:lstStyle/>
+          <a:p>
+            <a:pPr eaLnBrk="1" fontAlgn="auto" hangingPunct="1">
+              <a:spcBef>
+                <a:spcPts val="0"/>
+              </a:spcBef>
+              <a:spcAft>
+                <a:spcPts val="0"/>
+              </a:spcAft>
+              <a:defRPr/>
+            </a:pPr>
+            <a:r>
+              <a:rPr lang="en-US" sz="1200" dirty="0">
+                <a:solidFill>
+                  <a:sysClr val="windowText" lastClr="000000"/>
+                </a:solidFill>
+                <a:latin typeface="Arial" panose="020B0604020202020204" pitchFamily="34" charset="0"/>
+                <a:cs typeface="Arial" panose="020B0604020202020204" pitchFamily="34" charset="0"/>
+              </a:rPr>
+              <a:t>AWS Cloud</a:t>
+            </a:r>
+          </a:p>
+        </p:txBody>
+      </p:sp>
+      <p:pic>
+        <p:nvPicPr>
+          <p:cNvPr id="36" name="Graphic 35">
+            <a:extLst>
+              <a:ext uri="{FF2B5EF4-FFF2-40B4-BE49-F238E27FC236}">
+                <a16:creationId xmlns:a16="http://schemas.microsoft.com/office/drawing/2014/main" id="{0108BD47-BE62-4A4F-89D0-B76D7F0A12F8}"/>
+              </a:ext>
+            </a:extLst>
+          </p:cNvPr>
+          <p:cNvPicPr>
+            <a:picLocks noChangeAspect="1"/>
+          </p:cNvPicPr>
+          <p:nvPr/>
+        </p:nvPicPr>
+        <p:blipFill>
+          <a:blip r:embed="rId4">
+            <a:extLst>
+              <a:ext uri="{96DAC541-7B7A-43D3-8B79-37D633B846F1}">
+                <asvg:svgBlip xmlns:asvg="http://schemas.microsoft.com/office/drawing/2016/SVG/main" r:embed="rId5"/>
+              </a:ext>
+            </a:extLst>
+          </a:blip>
+          <a:srcRect/>
+          <a:stretch/>
+        </p:blipFill>
+        <p:spPr>
+          <a:xfrm>
+            <a:off x="2878887" y="1258247"/>
+            <a:ext cx="381000" cy="381000"/>
+          </a:xfrm>
+          <a:prstGeom prst="rect">
+            <a:avLst/>
+          </a:prstGeom>
+        </p:spPr>
+      </p:pic>
+      <p:pic>
+        <p:nvPicPr>
+          <p:cNvPr id="38" name="Graphic 21">
+            <a:extLst>
+              <a:ext uri="{FF2B5EF4-FFF2-40B4-BE49-F238E27FC236}">
+                <a16:creationId xmlns:a16="http://schemas.microsoft.com/office/drawing/2014/main" id="{D01CA87C-6961-4A60-B2F3-E8FAA9DD7DA9}"/>
+              </a:ext>
+            </a:extLst>
+          </p:cNvPr>
+          <p:cNvPicPr>
+            <a:picLocks noChangeAspect="1" noChangeArrowheads="1"/>
+          </p:cNvPicPr>
+          <p:nvPr/>
+        </p:nvPicPr>
+        <p:blipFill>
+          <a:blip r:embed="rId6">
+            <a:extLst>
+              <a:ext uri="{28A0092B-C50C-407E-A947-70E740481C1C}">
+                <a14:useLocalDpi xmlns:a14="http://schemas.microsoft.com/office/drawing/2010/main" val="0"/>
+              </a:ext>
+            </a:extLst>
+          </a:blip>
+          <a:srcRect/>
+          <a:stretch>
+            <a:fillRect/>
+          </a:stretch>
+        </p:blipFill>
+        <p:spPr bwMode="auto">
+          <a:xfrm>
+            <a:off x="3757523" y="2422757"/>
+            <a:ext cx="762000" cy="762000"/>
+          </a:xfrm>
+          <a:prstGeom prst="rect">
+            <a:avLst/>
+          </a:prstGeom>
+          <a:noFill/>
+          <a:ln>
+            <a:noFill/>
+          </a:ln>
+          <a:extLst>
+            <a:ext uri="{909E8E84-426E-40DD-AFC4-6F175D3DCCD1}">
+              <a14:hiddenFill xmlns:a14="http://schemas.microsoft.com/office/drawing/2010/main">
+                <a:solidFill>
+                  <a:srgbClr val="FFFFFF"/>
+                </a:solidFill>
+              </a14:hiddenFill>
+            </a:ext>
+            <a:ext uri="{91240B29-F687-4F45-9708-019B960494DF}">
+              <a14:hiddenLine xmlns:a14="http://schemas.microsoft.com/office/drawing/2010/main" w="9525">
+                <a:solidFill>
+                  <a:srgbClr val="000000"/>
+                </a:solidFill>
+                <a:miter lim="800000"/>
+                <a:headEnd/>
+                <a:tailEnd/>
+              </a14:hiddenLine>
+            </a:ext>
+          </a:extLst>
+        </p:spPr>
+      </p:pic>
+      <p:sp>
+        <p:nvSpPr>
+          <p:cNvPr id="41" name="TextBox 12">
+            <a:extLst>
+              <a:ext uri="{FF2B5EF4-FFF2-40B4-BE49-F238E27FC236}">
+                <a16:creationId xmlns:a16="http://schemas.microsoft.com/office/drawing/2014/main" id="{D6ACF3FB-D16E-4261-9CD1-DBF9CEAF3F8D}"/>
+              </a:ext>
+            </a:extLst>
+          </p:cNvPr>
+          <p:cNvSpPr txBox="1">
+            <a:spLocks noChangeArrowheads="1"/>
+          </p:cNvSpPr>
+          <p:nvPr/>
+        </p:nvSpPr>
+        <p:spPr bwMode="auto">
+          <a:xfrm>
+            <a:off x="2998698" y="3173273"/>
+            <a:ext cx="2279650" cy="276999"/>
+          </a:xfrm>
+          <a:prstGeom prst="rect">
+            <a:avLst/>
+          </a:prstGeom>
+          <a:noFill/>
+          <a:ln>
+            <a:noFill/>
+          </a:ln>
+          <a:extLst>
+            <a:ext uri="{909E8E84-426E-40DD-AFC4-6F175D3DCCD1}">
+              <a14:hiddenFill xmlns:a14="http://schemas.microsoft.com/office/drawing/2010/main">
+                <a:solidFill>
+                  <a:srgbClr val="FFFFFF"/>
+                </a:solidFill>
+              </a14:hiddenFill>
+            </a:ext>
+            <a:ext uri="{91240B29-F687-4F45-9708-019B960494DF}">
+              <a14:hiddenLine xmlns:a14="http://schemas.microsoft.com/office/drawing/2010/main" w="9525">
+                <a:solidFill>
+                  <a:srgbClr val="000000"/>
+                </a:solidFill>
+                <a:miter lim="800000"/>
+                <a:headEnd/>
+                <a:tailEnd/>
+              </a14:hiddenLine>
+            </a:ext>
+          </a:extLst>
+        </p:spPr>
+        <p:txBody>
+          <a:bodyPr>
+            <a:spAutoFit/>
+          </a:bodyPr>
+          <a:lstStyle>
+            <a:lvl1pPr>
+              <a:defRPr>
+                <a:solidFill>
+                  <a:schemeClr val="tx1"/>
+                </a:solidFill>
+                <a:latin typeface="Calibri" panose="020F0502020204030204" pitchFamily="34" charset="0"/>
+              </a:defRPr>
+            </a:lvl1pPr>
+            <a:lvl2pPr marL="742950" indent="-285750">
+              <a:defRPr>
+                <a:solidFill>
+                  <a:schemeClr val="tx1"/>
+                </a:solidFill>
+                <a:latin typeface="Calibri" panose="020F0502020204030204" pitchFamily="34" charset="0"/>
+              </a:defRPr>
+            </a:lvl2pPr>
+            <a:lvl3pPr marL="1143000" indent="-228600">
+              <a:defRPr>
+                <a:solidFill>
+                  <a:schemeClr val="tx1"/>
+                </a:solidFill>
+                <a:latin typeface="Calibri" panose="020F0502020204030204" pitchFamily="34" charset="0"/>
+              </a:defRPr>
+            </a:lvl3pPr>
+            <a:lvl4pPr marL="1600200" indent="-228600">
+              <a:defRPr>
+                <a:solidFill>
+                  <a:schemeClr val="tx1"/>
+                </a:solidFill>
+                <a:latin typeface="Calibri" panose="020F0502020204030204" pitchFamily="34" charset="0"/>
+              </a:defRPr>
+            </a:lvl4pPr>
+            <a:lvl5pPr marL="2057400" indent="-228600">
+              <a:defRPr>
+                <a:solidFill>
+                  <a:schemeClr val="tx1"/>
+                </a:solidFill>
+                <a:latin typeface="Calibri" panose="020F0502020204030204" pitchFamily="34" charset="0"/>
+              </a:defRPr>
+            </a:lvl5pPr>
+            <a:lvl6pPr marL="2514600" indent="-228600" eaLnBrk="0" fontAlgn="base" hangingPunct="0">
+              <a:spcBef>
+                <a:spcPct val="0"/>
+              </a:spcBef>
+              <a:spcAft>
+                <a:spcPct val="0"/>
+              </a:spcAft>
+              <a:defRPr>
+                <a:solidFill>
+                  <a:schemeClr val="tx1"/>
+                </a:solidFill>
+                <a:latin typeface="Calibri" panose="020F0502020204030204" pitchFamily="34" charset="0"/>
+              </a:defRPr>
+            </a:lvl6pPr>
+            <a:lvl7pPr marL="2971800" indent="-228600" eaLnBrk="0" fontAlgn="base" hangingPunct="0">
+              <a:spcBef>
+                <a:spcPct val="0"/>
+              </a:spcBef>
+              <a:spcAft>
+                <a:spcPct val="0"/>
+              </a:spcAft>
+              <a:defRPr>
+                <a:solidFill>
+                  <a:schemeClr val="tx1"/>
+                </a:solidFill>
+                <a:latin typeface="Calibri" panose="020F0502020204030204" pitchFamily="34" charset="0"/>
+              </a:defRPr>
+            </a:lvl7pPr>
+            <a:lvl8pPr marL="3429000" indent="-228600" eaLnBrk="0" fontAlgn="base" hangingPunct="0">
+              <a:spcBef>
+                <a:spcPct val="0"/>
+              </a:spcBef>
+              <a:spcAft>
+                <a:spcPct val="0"/>
+              </a:spcAft>
+              <a:defRPr>
+                <a:solidFill>
+                  <a:schemeClr val="tx1"/>
+                </a:solidFill>
+                <a:latin typeface="Calibri" panose="020F0502020204030204" pitchFamily="34" charset="0"/>
+              </a:defRPr>
+            </a:lvl8pPr>
+            <a:lvl9pPr marL="3886200" indent="-228600" eaLnBrk="0" fontAlgn="base" hangingPunct="0">
+              <a:spcBef>
+                <a:spcPct val="0"/>
+              </a:spcBef>
+              <a:spcAft>
+                <a:spcPct val="0"/>
+              </a:spcAft>
+              <a:defRPr>
+                <a:solidFill>
+                  <a:schemeClr val="tx1"/>
+                </a:solidFill>
+                <a:latin typeface="Calibri" panose="020F0502020204030204" pitchFamily="34" charset="0"/>
+              </a:defRPr>
+            </a:lvl9pPr>
+          </a:lstStyle>
+          <a:p>
+            <a:pPr algn="ctr" eaLnBrk="1" hangingPunct="1"/>
+            <a:r>
+              <a:rPr lang="en-US" altLang="en-US" sz="1200" dirty="0">
+                <a:latin typeface="Arial" panose="020B0604020202020204" pitchFamily="34" charset="0"/>
+                <a:ea typeface="Amazon Ember" panose="020B0603020204020204" pitchFamily="34" charset="0"/>
+                <a:cs typeface="Arial" panose="020B0604020202020204" pitchFamily="34" charset="0"/>
+              </a:rPr>
+              <a:t>AWS CodeCommit</a:t>
+            </a:r>
+          </a:p>
+        </p:txBody>
+      </p:sp>
+      <p:pic>
+        <p:nvPicPr>
+          <p:cNvPr id="43" name="Graphic 19">
+            <a:extLst>
+              <a:ext uri="{FF2B5EF4-FFF2-40B4-BE49-F238E27FC236}">
+                <a16:creationId xmlns:a16="http://schemas.microsoft.com/office/drawing/2014/main" id="{BDBF1E2E-A0F7-4E71-9F0D-FD6C9E68F4D5}"/>
+              </a:ext>
+            </a:extLst>
+          </p:cNvPr>
+          <p:cNvPicPr>
+            <a:picLocks noChangeAspect="1" noChangeArrowheads="1"/>
+          </p:cNvPicPr>
+          <p:nvPr/>
+        </p:nvPicPr>
+        <p:blipFill>
+          <a:blip r:embed="rId7">
+            <a:extLst>
+              <a:ext uri="{28A0092B-C50C-407E-A947-70E740481C1C}">
+                <a14:useLocalDpi xmlns:a14="http://schemas.microsoft.com/office/drawing/2010/main" val="0"/>
+              </a:ext>
+            </a:extLst>
+          </a:blip>
+          <a:srcRect/>
+          <a:stretch>
+            <a:fillRect/>
+          </a:stretch>
+        </p:blipFill>
+        <p:spPr bwMode="auto">
+          <a:xfrm>
+            <a:off x="3757523" y="3832027"/>
+            <a:ext cx="762000" cy="762000"/>
+          </a:xfrm>
+          <a:prstGeom prst="rect">
+            <a:avLst/>
+          </a:prstGeom>
+          <a:noFill/>
+          <a:ln>
+            <a:noFill/>
+          </a:ln>
+          <a:extLst>
+            <a:ext uri="{909E8E84-426E-40DD-AFC4-6F175D3DCCD1}">
+              <a14:hiddenFill xmlns:a14="http://schemas.microsoft.com/office/drawing/2010/main">
+                <a:solidFill>
+                  <a:srgbClr val="FFFFFF"/>
+                </a:solidFill>
+              </a14:hiddenFill>
+            </a:ext>
+            <a:ext uri="{91240B29-F687-4F45-9708-019B960494DF}">
+              <a14:hiddenLine xmlns:a14="http://schemas.microsoft.com/office/drawing/2010/main" w="9525">
+                <a:solidFill>
+                  <a:srgbClr val="000000"/>
+                </a:solidFill>
+                <a:miter lim="800000"/>
+                <a:headEnd/>
+                <a:tailEnd/>
+              </a14:hiddenLine>
+            </a:ext>
+          </a:extLst>
+        </p:spPr>
+      </p:pic>
+      <p:sp>
+        <p:nvSpPr>
+          <p:cNvPr id="44" name="TextBox 11">
+            <a:extLst>
+              <a:ext uri="{FF2B5EF4-FFF2-40B4-BE49-F238E27FC236}">
+                <a16:creationId xmlns:a16="http://schemas.microsoft.com/office/drawing/2014/main" id="{35ACB071-E429-4F15-97C0-599BBF3C0DAD}"/>
+              </a:ext>
+            </a:extLst>
+          </p:cNvPr>
+          <p:cNvSpPr txBox="1">
+            <a:spLocks noChangeArrowheads="1"/>
+          </p:cNvSpPr>
+          <p:nvPr/>
+        </p:nvSpPr>
+        <p:spPr bwMode="auto">
+          <a:xfrm>
+            <a:off x="2992348" y="4579945"/>
+            <a:ext cx="2292350" cy="276999"/>
+          </a:xfrm>
+          <a:prstGeom prst="rect">
+            <a:avLst/>
+          </a:prstGeom>
+          <a:noFill/>
+          <a:ln>
+            <a:noFill/>
+          </a:ln>
+          <a:extLst>
+            <a:ext uri="{909E8E84-426E-40DD-AFC4-6F175D3DCCD1}">
+              <a14:hiddenFill xmlns:a14="http://schemas.microsoft.com/office/drawing/2010/main">
+                <a:solidFill>
+                  <a:srgbClr val="FFFFFF"/>
+                </a:solidFill>
+              </a14:hiddenFill>
+            </a:ext>
+            <a:ext uri="{91240B29-F687-4F45-9708-019B960494DF}">
+              <a14:hiddenLine xmlns:a14="http://schemas.microsoft.com/office/drawing/2010/main" w="9525">
+                <a:solidFill>
+                  <a:srgbClr val="000000"/>
+                </a:solidFill>
+                <a:miter lim="800000"/>
+                <a:headEnd/>
+                <a:tailEnd/>
+              </a14:hiddenLine>
+            </a:ext>
+          </a:extLst>
+        </p:spPr>
+        <p:txBody>
+          <a:bodyPr>
+            <a:spAutoFit/>
+          </a:bodyPr>
+          <a:lstStyle>
+            <a:lvl1pPr>
+              <a:defRPr>
+                <a:solidFill>
+                  <a:schemeClr val="tx1"/>
+                </a:solidFill>
+                <a:latin typeface="Calibri" panose="020F0502020204030204" pitchFamily="34" charset="0"/>
+              </a:defRPr>
+            </a:lvl1pPr>
+            <a:lvl2pPr marL="742950" indent="-285750">
+              <a:defRPr>
+                <a:solidFill>
+                  <a:schemeClr val="tx1"/>
+                </a:solidFill>
+                <a:latin typeface="Calibri" panose="020F0502020204030204" pitchFamily="34" charset="0"/>
+              </a:defRPr>
+            </a:lvl2pPr>
+            <a:lvl3pPr marL="1143000" indent="-228600">
+              <a:defRPr>
+                <a:solidFill>
+                  <a:schemeClr val="tx1"/>
+                </a:solidFill>
+                <a:latin typeface="Calibri" panose="020F0502020204030204" pitchFamily="34" charset="0"/>
+              </a:defRPr>
+            </a:lvl3pPr>
+            <a:lvl4pPr marL="1600200" indent="-228600">
+              <a:defRPr>
+                <a:solidFill>
+                  <a:schemeClr val="tx1"/>
+                </a:solidFill>
+                <a:latin typeface="Calibri" panose="020F0502020204030204" pitchFamily="34" charset="0"/>
+              </a:defRPr>
+            </a:lvl4pPr>
+            <a:lvl5pPr marL="2057400" indent="-228600">
+              <a:defRPr>
+                <a:solidFill>
+                  <a:schemeClr val="tx1"/>
+                </a:solidFill>
+                <a:latin typeface="Calibri" panose="020F0502020204030204" pitchFamily="34" charset="0"/>
+              </a:defRPr>
+            </a:lvl5pPr>
+            <a:lvl6pPr marL="2514600" indent="-228600" eaLnBrk="0" fontAlgn="base" hangingPunct="0">
+              <a:spcBef>
+                <a:spcPct val="0"/>
+              </a:spcBef>
+              <a:spcAft>
+                <a:spcPct val="0"/>
+              </a:spcAft>
+              <a:defRPr>
+                <a:solidFill>
+                  <a:schemeClr val="tx1"/>
+                </a:solidFill>
+                <a:latin typeface="Calibri" panose="020F0502020204030204" pitchFamily="34" charset="0"/>
+              </a:defRPr>
+            </a:lvl6pPr>
+            <a:lvl7pPr marL="2971800" indent="-228600" eaLnBrk="0" fontAlgn="base" hangingPunct="0">
+              <a:spcBef>
+                <a:spcPct val="0"/>
+              </a:spcBef>
+              <a:spcAft>
+                <a:spcPct val="0"/>
+              </a:spcAft>
+              <a:defRPr>
+                <a:solidFill>
+                  <a:schemeClr val="tx1"/>
+                </a:solidFill>
+                <a:latin typeface="Calibri" panose="020F0502020204030204" pitchFamily="34" charset="0"/>
+              </a:defRPr>
+            </a:lvl7pPr>
+            <a:lvl8pPr marL="3429000" indent="-228600" eaLnBrk="0" fontAlgn="base" hangingPunct="0">
+              <a:spcBef>
+                <a:spcPct val="0"/>
+              </a:spcBef>
+              <a:spcAft>
+                <a:spcPct val="0"/>
+              </a:spcAft>
+              <a:defRPr>
+                <a:solidFill>
+                  <a:schemeClr val="tx1"/>
+                </a:solidFill>
+                <a:latin typeface="Calibri" panose="020F0502020204030204" pitchFamily="34" charset="0"/>
+              </a:defRPr>
+            </a:lvl8pPr>
+            <a:lvl9pPr marL="3886200" indent="-228600" eaLnBrk="0" fontAlgn="base" hangingPunct="0">
+              <a:spcBef>
+                <a:spcPct val="0"/>
+              </a:spcBef>
+              <a:spcAft>
+                <a:spcPct val="0"/>
+              </a:spcAft>
+              <a:defRPr>
+                <a:solidFill>
+                  <a:schemeClr val="tx1"/>
+                </a:solidFill>
+                <a:latin typeface="Calibri" panose="020F0502020204030204" pitchFamily="34" charset="0"/>
+              </a:defRPr>
+            </a:lvl9pPr>
+          </a:lstStyle>
+          <a:p>
+            <a:pPr algn="ctr" eaLnBrk="1" hangingPunct="1"/>
+            <a:r>
+              <a:rPr lang="en-US" altLang="en-US" sz="1200" dirty="0">
+                <a:latin typeface="Arial" panose="020B0604020202020204" pitchFamily="34" charset="0"/>
+                <a:ea typeface="Amazon Ember" panose="020B0603020204020204" pitchFamily="34" charset="0"/>
+                <a:cs typeface="Arial" panose="020B0604020202020204" pitchFamily="34" charset="0"/>
+              </a:rPr>
+              <a:t>AWS CodeBuild</a:t>
+            </a:r>
+          </a:p>
+        </p:txBody>
+      </p:sp>
+      <p:sp>
+        <p:nvSpPr>
+          <p:cNvPr id="47" name="TextBox 21">
+            <a:extLst>
+              <a:ext uri="{FF2B5EF4-FFF2-40B4-BE49-F238E27FC236}">
+                <a16:creationId xmlns:a16="http://schemas.microsoft.com/office/drawing/2014/main" id="{5C6C75F4-E164-4A3B-A7C2-B75864EF56F0}"/>
+              </a:ext>
+            </a:extLst>
+          </p:cNvPr>
+          <p:cNvSpPr txBox="1">
+            <a:spLocks noChangeArrowheads="1"/>
+          </p:cNvSpPr>
+          <p:nvPr/>
+        </p:nvSpPr>
+        <p:spPr bwMode="auto">
+          <a:xfrm>
+            <a:off x="5221852" y="3173273"/>
+            <a:ext cx="1382713" cy="276999"/>
+          </a:xfrm>
+          <a:prstGeom prst="rect">
+            <a:avLst/>
+          </a:prstGeom>
+          <a:noFill/>
+          <a:ln>
+            <a:noFill/>
+          </a:ln>
+          <a:extLst>
+            <a:ext uri="{909E8E84-426E-40DD-AFC4-6F175D3DCCD1}">
+              <a14:hiddenFill xmlns:a14="http://schemas.microsoft.com/office/drawing/2010/main">
+                <a:solidFill>
+                  <a:srgbClr val="FFFFFF"/>
+                </a:solidFill>
+              </a14:hiddenFill>
+            </a:ext>
+            <a:ext uri="{91240B29-F687-4F45-9708-019B960494DF}">
+              <a14:hiddenLine xmlns:a14="http://schemas.microsoft.com/office/drawing/2010/main" w="9525">
+                <a:solidFill>
+                  <a:srgbClr val="000000"/>
+                </a:solidFill>
+                <a:miter lim="800000"/>
+                <a:headEnd/>
+                <a:tailEnd/>
+              </a14:hiddenLine>
+            </a:ext>
+          </a:extLst>
+        </p:spPr>
+        <p:txBody>
+          <a:bodyPr>
+            <a:spAutoFit/>
+          </a:bodyPr>
+          <a:lstStyle>
+            <a:lvl1pPr>
+              <a:defRPr>
+                <a:solidFill>
+                  <a:schemeClr val="tx1"/>
+                </a:solidFill>
+                <a:latin typeface="Calibri" panose="020F0502020204030204" pitchFamily="34" charset="0"/>
+              </a:defRPr>
+            </a:lvl1pPr>
+            <a:lvl2pPr marL="742950" indent="-285750">
+              <a:defRPr>
+                <a:solidFill>
+                  <a:schemeClr val="tx1"/>
+                </a:solidFill>
+                <a:latin typeface="Calibri" panose="020F0502020204030204" pitchFamily="34" charset="0"/>
+              </a:defRPr>
+            </a:lvl2pPr>
+            <a:lvl3pPr marL="1143000" indent="-228600">
+              <a:defRPr>
+                <a:solidFill>
+                  <a:schemeClr val="tx1"/>
+                </a:solidFill>
+                <a:latin typeface="Calibri" panose="020F0502020204030204" pitchFamily="34" charset="0"/>
+              </a:defRPr>
+            </a:lvl3pPr>
+            <a:lvl4pPr marL="1600200" indent="-228600">
+              <a:defRPr>
+                <a:solidFill>
+                  <a:schemeClr val="tx1"/>
+                </a:solidFill>
+                <a:latin typeface="Calibri" panose="020F0502020204030204" pitchFamily="34" charset="0"/>
+              </a:defRPr>
+            </a:lvl4pPr>
+            <a:lvl5pPr marL="2057400" indent="-228600">
+              <a:defRPr>
+                <a:solidFill>
+                  <a:schemeClr val="tx1"/>
+                </a:solidFill>
+                <a:latin typeface="Calibri" panose="020F0502020204030204" pitchFamily="34" charset="0"/>
+              </a:defRPr>
+            </a:lvl5pPr>
+            <a:lvl6pPr marL="2514600" indent="-228600" eaLnBrk="0" fontAlgn="base" hangingPunct="0">
+              <a:spcBef>
+                <a:spcPct val="0"/>
+              </a:spcBef>
+              <a:spcAft>
+                <a:spcPct val="0"/>
+              </a:spcAft>
+              <a:defRPr>
+                <a:solidFill>
+                  <a:schemeClr val="tx1"/>
+                </a:solidFill>
+                <a:latin typeface="Calibri" panose="020F0502020204030204" pitchFamily="34" charset="0"/>
+              </a:defRPr>
+            </a:lvl6pPr>
+            <a:lvl7pPr marL="2971800" indent="-228600" eaLnBrk="0" fontAlgn="base" hangingPunct="0">
+              <a:spcBef>
+                <a:spcPct val="0"/>
+              </a:spcBef>
+              <a:spcAft>
+                <a:spcPct val="0"/>
+              </a:spcAft>
+              <a:defRPr>
+                <a:solidFill>
+                  <a:schemeClr val="tx1"/>
+                </a:solidFill>
+                <a:latin typeface="Calibri" panose="020F0502020204030204" pitchFamily="34" charset="0"/>
+              </a:defRPr>
+            </a:lvl7pPr>
+            <a:lvl8pPr marL="3429000" indent="-228600" eaLnBrk="0" fontAlgn="base" hangingPunct="0">
+              <a:spcBef>
+                <a:spcPct val="0"/>
+              </a:spcBef>
+              <a:spcAft>
+                <a:spcPct val="0"/>
+              </a:spcAft>
+              <a:defRPr>
+                <a:solidFill>
+                  <a:schemeClr val="tx1"/>
+                </a:solidFill>
+                <a:latin typeface="Calibri" panose="020F0502020204030204" pitchFamily="34" charset="0"/>
+              </a:defRPr>
+            </a:lvl8pPr>
+            <a:lvl9pPr marL="3886200" indent="-228600" eaLnBrk="0" fontAlgn="base" hangingPunct="0">
+              <a:spcBef>
+                <a:spcPct val="0"/>
+              </a:spcBef>
+              <a:spcAft>
+                <a:spcPct val="0"/>
+              </a:spcAft>
+              <a:defRPr>
+                <a:solidFill>
+                  <a:schemeClr val="tx1"/>
+                </a:solidFill>
+                <a:latin typeface="Calibri" panose="020F0502020204030204" pitchFamily="34" charset="0"/>
+              </a:defRPr>
+            </a:lvl9pPr>
+          </a:lstStyle>
+          <a:p>
+            <a:pPr algn="ctr" eaLnBrk="1" hangingPunct="1"/>
+            <a:r>
+              <a:rPr lang="en-US" altLang="en-US" sz="1200" dirty="0">
+                <a:latin typeface="Arial" panose="020B0604020202020204" pitchFamily="34" charset="0"/>
+                <a:ea typeface="Amazon Ember" panose="020B0603020204020204" pitchFamily="34" charset="0"/>
+                <a:cs typeface="Arial" panose="020B0604020202020204" pitchFamily="34" charset="0"/>
+              </a:rPr>
+              <a:t>S3 bucket</a:t>
+            </a:r>
+          </a:p>
+        </p:txBody>
+      </p:sp>
+      <p:pic>
+        <p:nvPicPr>
+          <p:cNvPr id="48" name="Graphic 14">
+            <a:extLst>
+              <a:ext uri="{FF2B5EF4-FFF2-40B4-BE49-F238E27FC236}">
+                <a16:creationId xmlns:a16="http://schemas.microsoft.com/office/drawing/2014/main" id="{F7BB5AEF-BE5A-46F2-86E0-F81CCA58D9FA}"/>
+              </a:ext>
+            </a:extLst>
+          </p:cNvPr>
+          <p:cNvPicPr>
+            <a:picLocks noChangeAspect="1" noChangeArrowheads="1"/>
+          </p:cNvPicPr>
+          <p:nvPr/>
+        </p:nvPicPr>
+        <p:blipFill>
+          <a:blip r:embed="rId8">
+            <a:extLst>
+              <a:ext uri="{28A0092B-C50C-407E-A947-70E740481C1C}">
+                <a14:useLocalDpi xmlns:a14="http://schemas.microsoft.com/office/drawing/2010/main" val="0"/>
+              </a:ext>
+            </a:extLst>
+          </a:blip>
+          <a:srcRect/>
+          <a:stretch>
+            <a:fillRect/>
+          </a:stretch>
+        </p:blipFill>
+        <p:spPr bwMode="auto">
+          <a:xfrm>
+            <a:off x="5684608" y="2594407"/>
+            <a:ext cx="457200" cy="457200"/>
+          </a:xfrm>
+          <a:prstGeom prst="rect">
+            <a:avLst/>
+          </a:prstGeom>
+          <a:noFill/>
+          <a:ln>
+            <a:noFill/>
+          </a:ln>
+          <a:extLst>
+            <a:ext uri="{909E8E84-426E-40DD-AFC4-6F175D3DCCD1}">
+              <a14:hiddenFill xmlns:a14="http://schemas.microsoft.com/office/drawing/2010/main">
+                <a:solidFill>
+                  <a:srgbClr val="FFFFFF"/>
+                </a:solidFill>
+              </a14:hiddenFill>
+            </a:ext>
+            <a:ext uri="{91240B29-F687-4F45-9708-019B960494DF}">
+              <a14:hiddenLine xmlns:a14="http://schemas.microsoft.com/office/drawing/2010/main" w="9525">
+                <a:solidFill>
+                  <a:srgbClr val="000000"/>
+                </a:solidFill>
+                <a:miter lim="800000"/>
+                <a:headEnd/>
+                <a:tailEnd/>
+              </a14:hiddenLine>
+            </a:ext>
+          </a:extLst>
+        </p:spPr>
+      </p:pic>
+      <p:pic>
+        <p:nvPicPr>
+          <p:cNvPr id="51" name="Graphic 17">
+            <a:extLst>
+              <a:ext uri="{FF2B5EF4-FFF2-40B4-BE49-F238E27FC236}">
+                <a16:creationId xmlns:a16="http://schemas.microsoft.com/office/drawing/2014/main" id="{48B36E4A-1F14-4B61-A96D-DB276E6B1A2F}"/>
+              </a:ext>
+            </a:extLst>
+          </p:cNvPr>
+          <p:cNvPicPr>
+            <a:picLocks noChangeAspect="1" noChangeArrowheads="1"/>
+          </p:cNvPicPr>
+          <p:nvPr/>
+        </p:nvPicPr>
+        <p:blipFill>
+          <a:blip r:embed="rId9"/>
+          <a:srcRect/>
+          <a:stretch/>
+        </p:blipFill>
+        <p:spPr bwMode="auto">
+          <a:xfrm>
+            <a:off x="8622632" y="5217406"/>
+            <a:ext cx="762000" cy="762000"/>
+          </a:xfrm>
+          <a:prstGeom prst="rect">
+            <a:avLst/>
+          </a:prstGeom>
+          <a:noFill/>
+          <a:ln>
+            <a:noFill/>
+          </a:ln>
+          <a:extLst>
+            <a:ext uri="{909E8E84-426E-40DD-AFC4-6F175D3DCCD1}">
+              <a14:hiddenFill xmlns:a14="http://schemas.microsoft.com/office/drawing/2010/main">
+                <a:solidFill>
+                  <a:srgbClr val="FFFFFF"/>
+                </a:solidFill>
+              </a14:hiddenFill>
+            </a:ext>
+            <a:ext uri="{91240B29-F687-4F45-9708-019B960494DF}">
+              <a14:hiddenLine xmlns:a14="http://schemas.microsoft.com/office/drawing/2010/main" w="9525">
+                <a:solidFill>
+                  <a:srgbClr val="000000"/>
+                </a:solidFill>
+                <a:miter lim="800000"/>
+                <a:headEnd/>
+                <a:tailEnd/>
+              </a14:hiddenLine>
+            </a:ext>
+          </a:extLst>
+        </p:spPr>
+      </p:pic>
+      <p:sp>
+        <p:nvSpPr>
+          <p:cNvPr id="52" name="TextBox 9">
+            <a:extLst>
+              <a:ext uri="{FF2B5EF4-FFF2-40B4-BE49-F238E27FC236}">
+                <a16:creationId xmlns:a16="http://schemas.microsoft.com/office/drawing/2014/main" id="{247B85DD-AFBC-4E30-AAD1-7F58FEAB6E30}"/>
+              </a:ext>
+            </a:extLst>
+          </p:cNvPr>
+          <p:cNvSpPr txBox="1">
+            <a:spLocks noChangeArrowheads="1"/>
+          </p:cNvSpPr>
+          <p:nvPr/>
+        </p:nvSpPr>
+        <p:spPr bwMode="auto">
+          <a:xfrm>
+            <a:off x="7882064" y="5979406"/>
+            <a:ext cx="2243137" cy="276999"/>
+          </a:xfrm>
+          <a:prstGeom prst="rect">
+            <a:avLst/>
+          </a:prstGeom>
+          <a:noFill/>
+          <a:ln>
+            <a:noFill/>
+          </a:ln>
+          <a:extLst>
+            <a:ext uri="{909E8E84-426E-40DD-AFC4-6F175D3DCCD1}">
+              <a14:hiddenFill xmlns:a14="http://schemas.microsoft.com/office/drawing/2010/main">
+                <a:solidFill>
+                  <a:srgbClr val="FFFFFF"/>
+                </a:solidFill>
+              </a14:hiddenFill>
+            </a:ext>
+            <a:ext uri="{91240B29-F687-4F45-9708-019B960494DF}">
+              <a14:hiddenLine xmlns:a14="http://schemas.microsoft.com/office/drawing/2010/main" w="9525">
+                <a:solidFill>
+                  <a:srgbClr val="000000"/>
+                </a:solidFill>
+                <a:miter lim="800000"/>
+                <a:headEnd/>
+                <a:tailEnd/>
+              </a14:hiddenLine>
+            </a:ext>
+          </a:extLst>
+        </p:spPr>
+        <p:txBody>
+          <a:bodyPr>
+            <a:spAutoFit/>
+          </a:bodyPr>
+          <a:lstStyle>
+            <a:lvl1pPr>
+              <a:defRPr>
+                <a:solidFill>
+                  <a:schemeClr val="tx1"/>
+                </a:solidFill>
+                <a:latin typeface="Calibri" panose="020F0502020204030204" pitchFamily="34" charset="0"/>
+              </a:defRPr>
+            </a:lvl1pPr>
+            <a:lvl2pPr marL="742950" indent="-285750">
+              <a:defRPr>
+                <a:solidFill>
+                  <a:schemeClr val="tx1"/>
+                </a:solidFill>
+                <a:latin typeface="Calibri" panose="020F0502020204030204" pitchFamily="34" charset="0"/>
+              </a:defRPr>
+            </a:lvl2pPr>
+            <a:lvl3pPr marL="1143000" indent="-228600">
+              <a:defRPr>
+                <a:solidFill>
+                  <a:schemeClr val="tx1"/>
+                </a:solidFill>
+                <a:latin typeface="Calibri" panose="020F0502020204030204" pitchFamily="34" charset="0"/>
+              </a:defRPr>
+            </a:lvl3pPr>
+            <a:lvl4pPr marL="1600200" indent="-228600">
+              <a:defRPr>
+                <a:solidFill>
+                  <a:schemeClr val="tx1"/>
+                </a:solidFill>
+                <a:latin typeface="Calibri" panose="020F0502020204030204" pitchFamily="34" charset="0"/>
+              </a:defRPr>
+            </a:lvl4pPr>
+            <a:lvl5pPr marL="2057400" indent="-228600">
+              <a:defRPr>
+                <a:solidFill>
+                  <a:schemeClr val="tx1"/>
+                </a:solidFill>
+                <a:latin typeface="Calibri" panose="020F0502020204030204" pitchFamily="34" charset="0"/>
+              </a:defRPr>
+            </a:lvl5pPr>
+            <a:lvl6pPr marL="2514600" indent="-228600" eaLnBrk="0" fontAlgn="base" hangingPunct="0">
+              <a:spcBef>
+                <a:spcPct val="0"/>
+              </a:spcBef>
+              <a:spcAft>
+                <a:spcPct val="0"/>
+              </a:spcAft>
+              <a:defRPr>
+                <a:solidFill>
+                  <a:schemeClr val="tx1"/>
+                </a:solidFill>
+                <a:latin typeface="Calibri" panose="020F0502020204030204" pitchFamily="34" charset="0"/>
+              </a:defRPr>
+            </a:lvl6pPr>
+            <a:lvl7pPr marL="2971800" indent="-228600" eaLnBrk="0" fontAlgn="base" hangingPunct="0">
+              <a:spcBef>
+                <a:spcPct val="0"/>
+              </a:spcBef>
+              <a:spcAft>
+                <a:spcPct val="0"/>
+              </a:spcAft>
+              <a:defRPr>
+                <a:solidFill>
+                  <a:schemeClr val="tx1"/>
+                </a:solidFill>
+                <a:latin typeface="Calibri" panose="020F0502020204030204" pitchFamily="34" charset="0"/>
+              </a:defRPr>
+            </a:lvl7pPr>
+            <a:lvl8pPr marL="3429000" indent="-228600" eaLnBrk="0" fontAlgn="base" hangingPunct="0">
+              <a:spcBef>
+                <a:spcPct val="0"/>
+              </a:spcBef>
+              <a:spcAft>
+                <a:spcPct val="0"/>
+              </a:spcAft>
+              <a:defRPr>
+                <a:solidFill>
+                  <a:schemeClr val="tx1"/>
+                </a:solidFill>
+                <a:latin typeface="Calibri" panose="020F0502020204030204" pitchFamily="34" charset="0"/>
+              </a:defRPr>
+            </a:lvl8pPr>
+            <a:lvl9pPr marL="3886200" indent="-228600" eaLnBrk="0" fontAlgn="base" hangingPunct="0">
+              <a:spcBef>
+                <a:spcPct val="0"/>
+              </a:spcBef>
+              <a:spcAft>
+                <a:spcPct val="0"/>
+              </a:spcAft>
+              <a:defRPr>
+                <a:solidFill>
+                  <a:schemeClr val="tx1"/>
+                </a:solidFill>
+                <a:latin typeface="Calibri" panose="020F0502020204030204" pitchFamily="34" charset="0"/>
+              </a:defRPr>
+            </a:lvl9pPr>
+          </a:lstStyle>
+          <a:p>
+            <a:pPr algn="ctr" eaLnBrk="1" hangingPunct="1"/>
+            <a:r>
+              <a:rPr lang="en-US" altLang="en-US" sz="1200" dirty="0">
+                <a:latin typeface="Arial" panose="020B0604020202020204" pitchFamily="34" charset="0"/>
+                <a:ea typeface="Amazon Ember" panose="020B0603020204020204" pitchFamily="34" charset="0"/>
+                <a:cs typeface="Arial" panose="020B0604020202020204" pitchFamily="34" charset="0"/>
+              </a:rPr>
+              <a:t>Amazon API Gateway</a:t>
+            </a:r>
+          </a:p>
+        </p:txBody>
+      </p:sp>
+      <p:pic>
+        <p:nvPicPr>
+          <p:cNvPr id="61" name="Graphic 23">
+            <a:extLst>
+              <a:ext uri="{FF2B5EF4-FFF2-40B4-BE49-F238E27FC236}">
+                <a16:creationId xmlns:a16="http://schemas.microsoft.com/office/drawing/2014/main" id="{4F3EFCFA-048F-4E6A-A80F-199DBEC0690F}"/>
+              </a:ext>
+            </a:extLst>
+          </p:cNvPr>
+          <p:cNvPicPr>
+            <a:picLocks noChangeAspect="1" noChangeArrowheads="1"/>
+          </p:cNvPicPr>
+          <p:nvPr/>
+        </p:nvPicPr>
+        <p:blipFill>
+          <a:blip r:embed="rId10">
+            <a:extLst>
+              <a:ext uri="{28A0092B-C50C-407E-A947-70E740481C1C}">
+                <a14:useLocalDpi xmlns:a14="http://schemas.microsoft.com/office/drawing/2010/main" val="0"/>
+              </a:ext>
+            </a:extLst>
+          </a:blip>
+          <a:srcRect/>
+          <a:stretch>
+            <a:fillRect/>
+          </a:stretch>
+        </p:blipFill>
+        <p:spPr bwMode="auto">
+          <a:xfrm>
+            <a:off x="3757523" y="5217406"/>
+            <a:ext cx="762000" cy="762000"/>
+          </a:xfrm>
+          <a:prstGeom prst="rect">
+            <a:avLst/>
+          </a:prstGeom>
+          <a:noFill/>
+          <a:ln>
+            <a:noFill/>
+          </a:ln>
+          <a:extLst>
+            <a:ext uri="{909E8E84-426E-40DD-AFC4-6F175D3DCCD1}">
+              <a14:hiddenFill xmlns:a14="http://schemas.microsoft.com/office/drawing/2010/main">
+                <a:solidFill>
+                  <a:srgbClr val="FFFFFF"/>
+                </a:solidFill>
+              </a14:hiddenFill>
+            </a:ext>
+            <a:ext uri="{91240B29-F687-4F45-9708-019B960494DF}">
+              <a14:hiddenLine xmlns:a14="http://schemas.microsoft.com/office/drawing/2010/main" w="9525">
+                <a:solidFill>
+                  <a:srgbClr val="000000"/>
+                </a:solidFill>
+                <a:miter lim="800000"/>
+                <a:headEnd/>
+                <a:tailEnd/>
+              </a14:hiddenLine>
+            </a:ext>
+          </a:extLst>
+        </p:spPr>
+      </p:pic>
+      <p:sp>
+        <p:nvSpPr>
+          <p:cNvPr id="62" name="TextBox 15">
+            <a:extLst>
+              <a:ext uri="{FF2B5EF4-FFF2-40B4-BE49-F238E27FC236}">
+                <a16:creationId xmlns:a16="http://schemas.microsoft.com/office/drawing/2014/main" id="{CF3FD2E0-00E4-4891-903D-5065772CDD0A}"/>
+              </a:ext>
+            </a:extLst>
+          </p:cNvPr>
+          <p:cNvSpPr txBox="1">
+            <a:spLocks noChangeArrowheads="1"/>
+          </p:cNvSpPr>
+          <p:nvPr/>
+        </p:nvSpPr>
+        <p:spPr bwMode="auto">
+          <a:xfrm>
+            <a:off x="3037592" y="5979406"/>
+            <a:ext cx="2201863" cy="276999"/>
+          </a:xfrm>
+          <a:prstGeom prst="rect">
+            <a:avLst/>
+          </a:prstGeom>
+          <a:noFill/>
+          <a:ln>
+            <a:noFill/>
+          </a:ln>
+          <a:extLst>
+            <a:ext uri="{909E8E84-426E-40DD-AFC4-6F175D3DCCD1}">
+              <a14:hiddenFill xmlns:a14="http://schemas.microsoft.com/office/drawing/2010/main">
+                <a:solidFill>
+                  <a:srgbClr val="FFFFFF"/>
+                </a:solidFill>
+              </a14:hiddenFill>
+            </a:ext>
+            <a:ext uri="{91240B29-F687-4F45-9708-019B960494DF}">
+              <a14:hiddenLine xmlns:a14="http://schemas.microsoft.com/office/drawing/2010/main" w="9525">
+                <a:solidFill>
+                  <a:srgbClr val="000000"/>
+                </a:solidFill>
+                <a:miter lim="800000"/>
+                <a:headEnd/>
+                <a:tailEnd/>
+              </a14:hiddenLine>
+            </a:ext>
+          </a:extLst>
+        </p:spPr>
+        <p:txBody>
+          <a:bodyPr>
+            <a:spAutoFit/>
+          </a:bodyPr>
+          <a:lstStyle>
+            <a:lvl1pPr>
+              <a:defRPr>
+                <a:solidFill>
+                  <a:schemeClr val="tx1"/>
+                </a:solidFill>
+                <a:latin typeface="Calibri" panose="020F0502020204030204" pitchFamily="34" charset="0"/>
+              </a:defRPr>
+            </a:lvl1pPr>
+            <a:lvl2pPr marL="742950" indent="-285750">
+              <a:defRPr>
+                <a:solidFill>
+                  <a:schemeClr val="tx1"/>
+                </a:solidFill>
+                <a:latin typeface="Calibri" panose="020F0502020204030204" pitchFamily="34" charset="0"/>
+              </a:defRPr>
+            </a:lvl2pPr>
+            <a:lvl3pPr marL="1143000" indent="-228600">
+              <a:defRPr>
+                <a:solidFill>
+                  <a:schemeClr val="tx1"/>
+                </a:solidFill>
+                <a:latin typeface="Calibri" panose="020F0502020204030204" pitchFamily="34" charset="0"/>
+              </a:defRPr>
+            </a:lvl3pPr>
+            <a:lvl4pPr marL="1600200" indent="-228600">
+              <a:defRPr>
+                <a:solidFill>
+                  <a:schemeClr val="tx1"/>
+                </a:solidFill>
+                <a:latin typeface="Calibri" panose="020F0502020204030204" pitchFamily="34" charset="0"/>
+              </a:defRPr>
+            </a:lvl4pPr>
+            <a:lvl5pPr marL="2057400" indent="-228600">
+              <a:defRPr>
+                <a:solidFill>
+                  <a:schemeClr val="tx1"/>
+                </a:solidFill>
+                <a:latin typeface="Calibri" panose="020F0502020204030204" pitchFamily="34" charset="0"/>
+              </a:defRPr>
+            </a:lvl5pPr>
+            <a:lvl6pPr marL="2514600" indent="-228600" eaLnBrk="0" fontAlgn="base" hangingPunct="0">
+              <a:spcBef>
+                <a:spcPct val="0"/>
+              </a:spcBef>
+              <a:spcAft>
+                <a:spcPct val="0"/>
+              </a:spcAft>
+              <a:defRPr>
+                <a:solidFill>
+                  <a:schemeClr val="tx1"/>
+                </a:solidFill>
+                <a:latin typeface="Calibri" panose="020F0502020204030204" pitchFamily="34" charset="0"/>
+              </a:defRPr>
+            </a:lvl6pPr>
+            <a:lvl7pPr marL="2971800" indent="-228600" eaLnBrk="0" fontAlgn="base" hangingPunct="0">
+              <a:spcBef>
+                <a:spcPct val="0"/>
+              </a:spcBef>
+              <a:spcAft>
+                <a:spcPct val="0"/>
+              </a:spcAft>
+              <a:defRPr>
+                <a:solidFill>
+                  <a:schemeClr val="tx1"/>
+                </a:solidFill>
+                <a:latin typeface="Calibri" panose="020F0502020204030204" pitchFamily="34" charset="0"/>
+              </a:defRPr>
+            </a:lvl7pPr>
+            <a:lvl8pPr marL="3429000" indent="-228600" eaLnBrk="0" fontAlgn="base" hangingPunct="0">
+              <a:spcBef>
+                <a:spcPct val="0"/>
+              </a:spcBef>
+              <a:spcAft>
+                <a:spcPct val="0"/>
+              </a:spcAft>
+              <a:defRPr>
+                <a:solidFill>
+                  <a:schemeClr val="tx1"/>
+                </a:solidFill>
+                <a:latin typeface="Calibri" panose="020F0502020204030204" pitchFamily="34" charset="0"/>
+              </a:defRPr>
+            </a:lvl8pPr>
+            <a:lvl9pPr marL="3886200" indent="-228600" eaLnBrk="0" fontAlgn="base" hangingPunct="0">
+              <a:spcBef>
+                <a:spcPct val="0"/>
+              </a:spcBef>
+              <a:spcAft>
+                <a:spcPct val="0"/>
+              </a:spcAft>
+              <a:defRPr>
+                <a:solidFill>
+                  <a:schemeClr val="tx1"/>
+                </a:solidFill>
+                <a:latin typeface="Calibri" panose="020F0502020204030204" pitchFamily="34" charset="0"/>
+              </a:defRPr>
+            </a:lvl9pPr>
+          </a:lstStyle>
+          <a:p>
+            <a:pPr algn="ctr" eaLnBrk="1" hangingPunct="1"/>
+            <a:r>
+              <a:rPr lang="en-US" altLang="en-US" sz="1200" dirty="0">
+                <a:latin typeface="Arial" panose="020B0604020202020204" pitchFamily="34" charset="0"/>
+                <a:ea typeface="Amazon Ember" panose="020B0603020204020204" pitchFamily="34" charset="0"/>
+                <a:cs typeface="Arial" panose="020B0604020202020204" pitchFamily="34" charset="0"/>
+              </a:rPr>
+              <a:t>AWS CodeDeploy</a:t>
+            </a:r>
+          </a:p>
+        </p:txBody>
+      </p:sp>
+      <p:cxnSp>
+        <p:nvCxnSpPr>
+          <p:cNvPr id="37" name="Straight Arrow Connector 36">
+            <a:extLst>
+              <a:ext uri="{FF2B5EF4-FFF2-40B4-BE49-F238E27FC236}">
+                <a16:creationId xmlns:a16="http://schemas.microsoft.com/office/drawing/2014/main" id="{233738A0-1C3C-4D36-8579-CCD457C02049}"/>
+              </a:ext>
+            </a:extLst>
+          </p:cNvPr>
+          <p:cNvCxnSpPr>
+            <a:cxnSpLocks/>
+            <a:endCxn id="56" idx="1"/>
+          </p:cNvCxnSpPr>
+          <p:nvPr/>
+        </p:nvCxnSpPr>
+        <p:spPr>
+          <a:xfrm flipV="1">
+            <a:off x="4519523" y="5598406"/>
+            <a:ext cx="1012685" cy="1346"/>
+          </a:xfrm>
+          <a:prstGeom prst="straightConnector1">
+            <a:avLst/>
+          </a:prstGeom>
+          <a:ln w="12700">
+            <a:solidFill>
+              <a:srgbClr val="545B64"/>
+            </a:solidFill>
+            <a:headEnd type="none" w="med" len="sm"/>
+            <a:tailEnd type="arrow" w="med" len="sm"/>
+          </a:ln>
+        </p:spPr>
+        <p:style>
+          <a:lnRef idx="1">
+            <a:schemeClr val="accent1"/>
+          </a:lnRef>
+          <a:fillRef idx="0">
+            <a:schemeClr val="accent1"/>
+          </a:fillRef>
+          <a:effectRef idx="0">
+            <a:schemeClr val="accent1"/>
+          </a:effectRef>
+          <a:fontRef idx="minor">
+            <a:schemeClr val="tx1"/>
+          </a:fontRef>
+        </p:style>
+      </p:cxnSp>
+      <p:cxnSp>
+        <p:nvCxnSpPr>
+          <p:cNvPr id="39" name="Straight Arrow Connector 38">
+            <a:extLst>
+              <a:ext uri="{FF2B5EF4-FFF2-40B4-BE49-F238E27FC236}">
+                <a16:creationId xmlns:a16="http://schemas.microsoft.com/office/drawing/2014/main" id="{041F469C-45D5-409B-8879-9FF476679BD5}"/>
+              </a:ext>
+            </a:extLst>
+          </p:cNvPr>
+          <p:cNvCxnSpPr>
+            <a:cxnSpLocks/>
+            <a:endCxn id="34" idx="1"/>
+          </p:cNvCxnSpPr>
+          <p:nvPr/>
+        </p:nvCxnSpPr>
+        <p:spPr>
+          <a:xfrm>
+            <a:off x="6332716" y="5598406"/>
+            <a:ext cx="901157" cy="0"/>
+          </a:xfrm>
+          <a:prstGeom prst="straightConnector1">
+            <a:avLst/>
+          </a:prstGeom>
+          <a:ln w="12700">
+            <a:solidFill>
+              <a:srgbClr val="545B64"/>
+            </a:solidFill>
+            <a:headEnd type="none" w="med" len="sm"/>
+            <a:tailEnd type="arrow" w="med" len="sm"/>
+          </a:ln>
+        </p:spPr>
+        <p:style>
+          <a:lnRef idx="1">
+            <a:schemeClr val="accent1"/>
+          </a:lnRef>
+          <a:fillRef idx="0">
+            <a:schemeClr val="accent1"/>
+          </a:fillRef>
+          <a:effectRef idx="0">
+            <a:schemeClr val="accent1"/>
+          </a:effectRef>
+          <a:fontRef idx="minor">
+            <a:schemeClr val="tx1"/>
+          </a:fontRef>
+        </p:style>
+      </p:cxnSp>
+      <p:cxnSp>
+        <p:nvCxnSpPr>
+          <p:cNvPr id="64" name="Straight Arrow Connector 63">
+            <a:extLst>
+              <a:ext uri="{FF2B5EF4-FFF2-40B4-BE49-F238E27FC236}">
+                <a16:creationId xmlns:a16="http://schemas.microsoft.com/office/drawing/2014/main" id="{3042B22E-1299-430B-AA49-E5CFC4109410}"/>
+              </a:ext>
+            </a:extLst>
+          </p:cNvPr>
+          <p:cNvCxnSpPr>
+            <a:cxnSpLocks/>
+            <a:stCxn id="34" idx="3"/>
+            <a:endCxn id="51" idx="1"/>
+          </p:cNvCxnSpPr>
+          <p:nvPr/>
+        </p:nvCxnSpPr>
+        <p:spPr>
+          <a:xfrm>
+            <a:off x="7691073" y="5598406"/>
+            <a:ext cx="931559" cy="0"/>
+          </a:xfrm>
+          <a:prstGeom prst="straightConnector1">
+            <a:avLst/>
+          </a:prstGeom>
+          <a:ln w="12700">
+            <a:solidFill>
+              <a:schemeClr val="tx2"/>
+            </a:solidFill>
+            <a:headEnd type="arrow" w="med" len="sm"/>
+            <a:tailEnd type="arrow" w="med" len="sm"/>
+          </a:ln>
+        </p:spPr>
+        <p:style>
+          <a:lnRef idx="1">
+            <a:schemeClr val="accent1"/>
+          </a:lnRef>
+          <a:fillRef idx="0">
+            <a:schemeClr val="accent1"/>
+          </a:fillRef>
+          <a:effectRef idx="0">
+            <a:schemeClr val="accent1"/>
+          </a:effectRef>
+          <a:fontRef idx="minor">
+            <a:schemeClr val="tx1"/>
+          </a:fontRef>
+        </p:style>
+      </p:cxnSp>
+      <p:cxnSp>
+        <p:nvCxnSpPr>
+          <p:cNvPr id="65" name="Straight Arrow Connector 64">
+            <a:extLst>
+              <a:ext uri="{FF2B5EF4-FFF2-40B4-BE49-F238E27FC236}">
+                <a16:creationId xmlns:a16="http://schemas.microsoft.com/office/drawing/2014/main" id="{4054CF25-8102-4BF3-BFE7-BDF2EC27DC86}"/>
+              </a:ext>
+            </a:extLst>
+          </p:cNvPr>
+          <p:cNvCxnSpPr>
+            <a:cxnSpLocks/>
+            <a:stCxn id="43" idx="0"/>
+            <a:endCxn id="41" idx="2"/>
+          </p:cNvCxnSpPr>
+          <p:nvPr/>
+        </p:nvCxnSpPr>
+        <p:spPr>
+          <a:xfrm flipV="1">
+            <a:off x="4138523" y="3450272"/>
+            <a:ext cx="0" cy="381755"/>
+          </a:xfrm>
+          <a:prstGeom prst="straightConnector1">
+            <a:avLst/>
+          </a:prstGeom>
+          <a:ln w="12700">
+            <a:solidFill>
+              <a:schemeClr val="tx2"/>
+            </a:solidFill>
+            <a:headEnd type="arrow" w="med" len="sm"/>
+            <a:tailEnd type="none" w="med" len="sm"/>
+          </a:ln>
+        </p:spPr>
+        <p:style>
+          <a:lnRef idx="1">
+            <a:schemeClr val="accent1"/>
+          </a:lnRef>
+          <a:fillRef idx="0">
+            <a:schemeClr val="accent1"/>
+          </a:fillRef>
+          <a:effectRef idx="0">
+            <a:schemeClr val="accent1"/>
+          </a:effectRef>
+          <a:fontRef idx="minor">
+            <a:schemeClr val="tx1"/>
+          </a:fontRef>
+        </p:style>
+      </p:cxnSp>
+      <p:cxnSp>
+        <p:nvCxnSpPr>
+          <p:cNvPr id="66" name="Straight Arrow Connector 65">
+            <a:extLst>
+              <a:ext uri="{FF2B5EF4-FFF2-40B4-BE49-F238E27FC236}">
+                <a16:creationId xmlns:a16="http://schemas.microsoft.com/office/drawing/2014/main" id="{2FAB29A9-F4DE-4E26-8497-C93FC59AFF26}"/>
+              </a:ext>
+            </a:extLst>
+          </p:cNvPr>
+          <p:cNvCxnSpPr>
+            <a:cxnSpLocks/>
+            <a:stCxn id="61" idx="0"/>
+            <a:endCxn id="44" idx="2"/>
+          </p:cNvCxnSpPr>
+          <p:nvPr/>
+        </p:nvCxnSpPr>
+        <p:spPr>
+          <a:xfrm flipV="1">
+            <a:off x="4138523" y="4856944"/>
+            <a:ext cx="0" cy="360462"/>
+          </a:xfrm>
+          <a:prstGeom prst="straightConnector1">
+            <a:avLst/>
+          </a:prstGeom>
+          <a:ln w="12700">
+            <a:solidFill>
+              <a:schemeClr val="tx2"/>
+            </a:solidFill>
+            <a:headEnd type="arrow" w="med" len="sm"/>
+            <a:tailEnd type="none" w="med" len="sm"/>
+          </a:ln>
+        </p:spPr>
+        <p:style>
+          <a:lnRef idx="1">
+            <a:schemeClr val="accent1"/>
+          </a:lnRef>
+          <a:fillRef idx="0">
+            <a:schemeClr val="accent1"/>
+          </a:fillRef>
+          <a:effectRef idx="0">
+            <a:schemeClr val="accent1"/>
+          </a:effectRef>
+          <a:fontRef idx="minor">
+            <a:schemeClr val="tx1"/>
+          </a:fontRef>
+        </p:style>
+      </p:cxnSp>
+      <p:pic>
+        <p:nvPicPr>
+          <p:cNvPr id="67" name="Graphic 22">
+            <a:extLst>
+              <a:ext uri="{FF2B5EF4-FFF2-40B4-BE49-F238E27FC236}">
+                <a16:creationId xmlns:a16="http://schemas.microsoft.com/office/drawing/2014/main" id="{CE034298-C4C1-4C9F-AEAE-AC9B647963B6}"/>
+              </a:ext>
+            </a:extLst>
+          </p:cNvPr>
+          <p:cNvPicPr>
+            <a:picLocks noChangeAspect="1" noChangeArrowheads="1"/>
+          </p:cNvPicPr>
+          <p:nvPr/>
+        </p:nvPicPr>
+        <p:blipFill>
+          <a:blip r:embed="rId11">
+            <a:extLst>
+              <a:ext uri="{96DAC541-7B7A-43D3-8B79-37D633B846F1}">
+                <asvg:svgBlip xmlns:asvg="http://schemas.microsoft.com/office/drawing/2016/SVG/main" r:embed="rId12"/>
+              </a:ext>
+            </a:extLst>
+          </a:blip>
+          <a:srcRect/>
+          <a:stretch/>
+        </p:blipFill>
+        <p:spPr bwMode="auto">
+          <a:xfrm>
+            <a:off x="964521" y="2568807"/>
+            <a:ext cx="469900" cy="469900"/>
+          </a:xfrm>
+          <a:prstGeom prst="rect">
+            <a:avLst/>
+          </a:prstGeom>
+          <a:noFill/>
+          <a:ln>
+            <a:noFill/>
+          </a:ln>
+          <a:extLst>
+            <a:ext uri="{909E8E84-426E-40DD-AFC4-6F175D3DCCD1}">
+              <a14:hiddenFill xmlns:a14="http://schemas.microsoft.com/office/drawing/2010/main">
+                <a:solidFill>
+                  <a:srgbClr val="FFFFFF"/>
+                </a:solidFill>
+              </a14:hiddenFill>
+            </a:ext>
+            <a:ext uri="{91240B29-F687-4F45-9708-019B960494DF}">
+              <a14:hiddenLine xmlns:a14="http://schemas.microsoft.com/office/drawing/2010/main" w="9525">
+                <a:solidFill>
+                  <a:srgbClr val="000000"/>
+                </a:solidFill>
+                <a:miter lim="800000"/>
+                <a:headEnd/>
+                <a:tailEnd/>
+              </a14:hiddenLine>
+            </a:ext>
+          </a:extLst>
+        </p:spPr>
+      </p:pic>
+      <p:sp>
+        <p:nvSpPr>
+          <p:cNvPr id="68" name="TextBox 39">
+            <a:extLst>
+              <a:ext uri="{FF2B5EF4-FFF2-40B4-BE49-F238E27FC236}">
+                <a16:creationId xmlns:a16="http://schemas.microsoft.com/office/drawing/2014/main" id="{0698CB36-3770-4BAF-ADC9-C7F91DDFBB36}"/>
+              </a:ext>
+            </a:extLst>
+          </p:cNvPr>
+          <p:cNvSpPr txBox="1">
+            <a:spLocks noChangeArrowheads="1"/>
+          </p:cNvSpPr>
+          <p:nvPr/>
+        </p:nvSpPr>
+        <p:spPr bwMode="auto">
+          <a:xfrm>
+            <a:off x="662896" y="3173273"/>
+            <a:ext cx="1073150" cy="276999"/>
+          </a:xfrm>
+          <a:prstGeom prst="rect">
+            <a:avLst/>
+          </a:prstGeom>
+          <a:noFill/>
+          <a:ln>
+            <a:noFill/>
+          </a:ln>
+          <a:extLst>
+            <a:ext uri="{909E8E84-426E-40DD-AFC4-6F175D3DCCD1}">
+              <a14:hiddenFill xmlns:a14="http://schemas.microsoft.com/office/drawing/2010/main">
+                <a:solidFill>
+                  <a:srgbClr val="FFFFFF"/>
+                </a:solidFill>
+              </a14:hiddenFill>
+            </a:ext>
+            <a:ext uri="{91240B29-F687-4F45-9708-019B960494DF}">
+              <a14:hiddenLine xmlns:a14="http://schemas.microsoft.com/office/drawing/2010/main" w="9525">
+                <a:solidFill>
+                  <a:srgbClr val="000000"/>
+                </a:solidFill>
+                <a:miter lim="800000"/>
+                <a:headEnd/>
+                <a:tailEnd/>
+              </a14:hiddenLine>
+            </a:ext>
+          </a:extLst>
+        </p:spPr>
+        <p:txBody>
+          <a:bodyPr>
+            <a:spAutoFit/>
+          </a:bodyPr>
+          <a:lstStyle>
+            <a:lvl1pPr>
+              <a:defRPr>
+                <a:solidFill>
+                  <a:schemeClr val="tx1"/>
+                </a:solidFill>
+                <a:latin typeface="Calibri" panose="020F0502020204030204" pitchFamily="34" charset="0"/>
+              </a:defRPr>
+            </a:lvl1pPr>
+            <a:lvl2pPr marL="742950" indent="-285750">
+              <a:defRPr>
+                <a:solidFill>
+                  <a:schemeClr val="tx1"/>
+                </a:solidFill>
+                <a:latin typeface="Calibri" panose="020F0502020204030204" pitchFamily="34" charset="0"/>
+              </a:defRPr>
+            </a:lvl2pPr>
+            <a:lvl3pPr marL="1143000" indent="-228600">
+              <a:defRPr>
+                <a:solidFill>
+                  <a:schemeClr val="tx1"/>
+                </a:solidFill>
+                <a:latin typeface="Calibri" panose="020F0502020204030204" pitchFamily="34" charset="0"/>
+              </a:defRPr>
+            </a:lvl3pPr>
+            <a:lvl4pPr marL="1600200" indent="-228600">
+              <a:defRPr>
+                <a:solidFill>
+                  <a:schemeClr val="tx1"/>
+                </a:solidFill>
+                <a:latin typeface="Calibri" panose="020F0502020204030204" pitchFamily="34" charset="0"/>
+              </a:defRPr>
+            </a:lvl4pPr>
+            <a:lvl5pPr marL="2057400" indent="-228600">
+              <a:defRPr>
+                <a:solidFill>
+                  <a:schemeClr val="tx1"/>
+                </a:solidFill>
+                <a:latin typeface="Calibri" panose="020F0502020204030204" pitchFamily="34" charset="0"/>
+              </a:defRPr>
+            </a:lvl5pPr>
+            <a:lvl6pPr marL="2514600" indent="-228600" eaLnBrk="0" fontAlgn="base" hangingPunct="0">
+              <a:spcBef>
+                <a:spcPct val="0"/>
+              </a:spcBef>
+              <a:spcAft>
+                <a:spcPct val="0"/>
+              </a:spcAft>
+              <a:defRPr>
+                <a:solidFill>
+                  <a:schemeClr val="tx1"/>
+                </a:solidFill>
+                <a:latin typeface="Calibri" panose="020F0502020204030204" pitchFamily="34" charset="0"/>
+              </a:defRPr>
+            </a:lvl6pPr>
+            <a:lvl7pPr marL="2971800" indent="-228600" eaLnBrk="0" fontAlgn="base" hangingPunct="0">
+              <a:spcBef>
+                <a:spcPct val="0"/>
+              </a:spcBef>
+              <a:spcAft>
+                <a:spcPct val="0"/>
+              </a:spcAft>
+              <a:defRPr>
+                <a:solidFill>
+                  <a:schemeClr val="tx1"/>
+                </a:solidFill>
+                <a:latin typeface="Calibri" panose="020F0502020204030204" pitchFamily="34" charset="0"/>
+              </a:defRPr>
+            </a:lvl7pPr>
+            <a:lvl8pPr marL="3429000" indent="-228600" eaLnBrk="0" fontAlgn="base" hangingPunct="0">
+              <a:spcBef>
+                <a:spcPct val="0"/>
+              </a:spcBef>
+              <a:spcAft>
+                <a:spcPct val="0"/>
+              </a:spcAft>
+              <a:defRPr>
+                <a:solidFill>
+                  <a:schemeClr val="tx1"/>
+                </a:solidFill>
+                <a:latin typeface="Calibri" panose="020F0502020204030204" pitchFamily="34" charset="0"/>
+              </a:defRPr>
+            </a:lvl8pPr>
+            <a:lvl9pPr marL="3886200" indent="-228600" eaLnBrk="0" fontAlgn="base" hangingPunct="0">
+              <a:spcBef>
+                <a:spcPct val="0"/>
+              </a:spcBef>
+              <a:spcAft>
+                <a:spcPct val="0"/>
+              </a:spcAft>
+              <a:defRPr>
+                <a:solidFill>
+                  <a:schemeClr val="tx1"/>
+                </a:solidFill>
+                <a:latin typeface="Calibri" panose="020F0502020204030204" pitchFamily="34" charset="0"/>
+              </a:defRPr>
+            </a:lvl9pPr>
+          </a:lstStyle>
+          <a:p>
+            <a:pPr algn="ctr" eaLnBrk="1" hangingPunct="1"/>
+            <a:r>
+              <a:rPr lang="en-US" altLang="en-US" sz="1200" dirty="0">
+                <a:solidFill>
+                  <a:srgbClr val="000000"/>
+                </a:solidFill>
+                <a:latin typeface="Arial" panose="020B0604020202020204" pitchFamily="34" charset="0"/>
+                <a:cs typeface="Arial" panose="020B0604020202020204" pitchFamily="34" charset="0"/>
+              </a:rPr>
+              <a:t>Developer</a:t>
+            </a:r>
+          </a:p>
+        </p:txBody>
+      </p:sp>
+      <p:cxnSp>
+        <p:nvCxnSpPr>
+          <p:cNvPr id="69" name="Straight Arrow Connector 68">
+            <a:extLst>
+              <a:ext uri="{FF2B5EF4-FFF2-40B4-BE49-F238E27FC236}">
+                <a16:creationId xmlns:a16="http://schemas.microsoft.com/office/drawing/2014/main" id="{0AEC6F00-6166-48FF-8080-334C9AEF52BF}"/>
+              </a:ext>
+            </a:extLst>
+          </p:cNvPr>
+          <p:cNvCxnSpPr>
+            <a:cxnSpLocks/>
+            <a:stCxn id="67" idx="3"/>
+            <a:endCxn id="71" idx="1"/>
+          </p:cNvCxnSpPr>
+          <p:nvPr/>
+        </p:nvCxnSpPr>
+        <p:spPr>
+          <a:xfrm>
+            <a:off x="1434421" y="2803757"/>
+            <a:ext cx="528388" cy="1"/>
+          </a:xfrm>
+          <a:prstGeom prst="straightConnector1">
+            <a:avLst/>
+          </a:prstGeom>
+          <a:ln w="12700">
+            <a:solidFill>
+              <a:srgbClr val="545B64"/>
+            </a:solidFill>
+            <a:headEnd type="none" w="med" len="sm"/>
+            <a:tailEnd type="arrow" w="med" len="sm"/>
+          </a:ln>
+        </p:spPr>
+        <p:style>
+          <a:lnRef idx="1">
+            <a:schemeClr val="accent1"/>
+          </a:lnRef>
+          <a:fillRef idx="0">
+            <a:schemeClr val="accent1"/>
+          </a:fillRef>
+          <a:effectRef idx="0">
+            <a:schemeClr val="accent1"/>
+          </a:effectRef>
+          <a:fontRef idx="minor">
+            <a:schemeClr val="tx1"/>
+          </a:fontRef>
+        </p:style>
+      </p:cxnSp>
+      <p:sp>
+        <p:nvSpPr>
+          <p:cNvPr id="70" name="TextBox 54">
+            <a:extLst>
+              <a:ext uri="{FF2B5EF4-FFF2-40B4-BE49-F238E27FC236}">
+                <a16:creationId xmlns:a16="http://schemas.microsoft.com/office/drawing/2014/main" id="{11E2C7DD-4926-484A-AE4D-F0DC390C8CAA}"/>
+              </a:ext>
+            </a:extLst>
+          </p:cNvPr>
+          <p:cNvSpPr txBox="1"/>
+          <p:nvPr/>
+        </p:nvSpPr>
+        <p:spPr>
+          <a:xfrm>
+            <a:off x="1648392" y="3173273"/>
+            <a:ext cx="1328899" cy="461665"/>
+          </a:xfrm>
+          <a:prstGeom prst="rect">
+            <a:avLst/>
+          </a:prstGeom>
+          <a:noFill/>
+        </p:spPr>
+        <p:txBody>
+          <a:bodyPr wrap="square" rtlCol="0">
+            <a:spAutoFit/>
+          </a:bodyPr>
+          <a:lstStyle>
+            <a:defPPr>
+              <a:defRPr lang="en-US"/>
+            </a:defPPr>
+            <a:lvl1pPr marL="0" algn="l" defTabSz="914400" rtl="0" eaLnBrk="1" latinLnBrk="0" hangingPunct="1">
+              <a:defRPr sz="1800" kern="1200">
+                <a:solidFill>
+                  <a:schemeClr val="tx1"/>
+                </a:solidFill>
+                <a:latin typeface="+mn-lt"/>
+                <a:ea typeface="+mn-ea"/>
+                <a:cs typeface="+mn-cs"/>
+              </a:defRPr>
+            </a:lvl1pPr>
+            <a:lvl2pPr marL="457200" algn="l" defTabSz="914400" rtl="0" eaLnBrk="1" latinLnBrk="0" hangingPunct="1">
+              <a:defRPr sz="1800" kern="1200">
+                <a:solidFill>
+                  <a:schemeClr val="tx1"/>
+                </a:solidFill>
+                <a:latin typeface="+mn-lt"/>
+                <a:ea typeface="+mn-ea"/>
+                <a:cs typeface="+mn-cs"/>
+              </a:defRPr>
+            </a:lvl2pPr>
+            <a:lvl3pPr marL="914400" algn="l" defTabSz="914400" rtl="0" eaLnBrk="1" latinLnBrk="0" hangingPunct="1">
+              <a:defRPr sz="1800" kern="1200">
+                <a:solidFill>
+                  <a:schemeClr val="tx1"/>
+                </a:solidFill>
+                <a:latin typeface="+mn-lt"/>
+                <a:ea typeface="+mn-ea"/>
+                <a:cs typeface="+mn-cs"/>
+              </a:defRPr>
+            </a:lvl3pPr>
+            <a:lvl4pPr marL="1371600" algn="l" defTabSz="914400" rtl="0" eaLnBrk="1" latinLnBrk="0" hangingPunct="1">
+              <a:defRPr sz="1800" kern="1200">
+                <a:solidFill>
+                  <a:schemeClr val="tx1"/>
+                </a:solidFill>
+                <a:latin typeface="+mn-lt"/>
+                <a:ea typeface="+mn-ea"/>
+                <a:cs typeface="+mn-cs"/>
+              </a:defRPr>
+            </a:lvl4pPr>
+            <a:lvl5pPr marL="1828800" algn="l" defTabSz="914400" rtl="0" eaLnBrk="1" latinLnBrk="0" hangingPunct="1">
+              <a:defRPr sz="1800" kern="1200">
+                <a:solidFill>
+                  <a:schemeClr val="tx1"/>
+                </a:solidFill>
+                <a:latin typeface="+mn-lt"/>
+                <a:ea typeface="+mn-ea"/>
+                <a:cs typeface="+mn-cs"/>
+              </a:defRPr>
+            </a:lvl5pPr>
+            <a:lvl6pPr marL="2286000" algn="l" defTabSz="914400" rtl="0" eaLnBrk="1" latinLnBrk="0" hangingPunct="1">
+              <a:defRPr sz="1800" kern="1200">
+                <a:solidFill>
+                  <a:schemeClr val="tx1"/>
+                </a:solidFill>
+                <a:latin typeface="+mn-lt"/>
+                <a:ea typeface="+mn-ea"/>
+                <a:cs typeface="+mn-cs"/>
+              </a:defRPr>
+            </a:lvl6pPr>
+            <a:lvl7pPr marL="2743200" algn="l" defTabSz="914400" rtl="0" eaLnBrk="1" latinLnBrk="0" hangingPunct="1">
+              <a:defRPr sz="1800" kern="1200">
+                <a:solidFill>
+                  <a:schemeClr val="tx1"/>
+                </a:solidFill>
+                <a:latin typeface="+mn-lt"/>
+                <a:ea typeface="+mn-ea"/>
+                <a:cs typeface="+mn-cs"/>
+              </a:defRPr>
+            </a:lvl7pPr>
+            <a:lvl8pPr marL="3200400" algn="l" defTabSz="914400" rtl="0" eaLnBrk="1" latinLnBrk="0" hangingPunct="1">
+              <a:defRPr sz="1800" kern="1200">
+                <a:solidFill>
+                  <a:schemeClr val="tx1"/>
+                </a:solidFill>
+                <a:latin typeface="+mn-lt"/>
+                <a:ea typeface="+mn-ea"/>
+                <a:cs typeface="+mn-cs"/>
+              </a:defRPr>
+            </a:lvl8pPr>
+            <a:lvl9pPr marL="3657600" algn="l" defTabSz="914400" rtl="0" eaLnBrk="1" latinLnBrk="0" hangingPunct="1">
+              <a:defRPr sz="1800" kern="1200">
+                <a:solidFill>
+                  <a:schemeClr val="tx1"/>
+                </a:solidFill>
+                <a:latin typeface="+mn-lt"/>
+                <a:ea typeface="+mn-ea"/>
+                <a:cs typeface="+mn-cs"/>
+              </a:defRPr>
+            </a:lvl9pPr>
+          </a:lstStyle>
+          <a:p>
+            <a:pPr algn="ctr"/>
+            <a:r>
+              <a:rPr lang="en-US" sz="1200" dirty="0">
+                <a:latin typeface="Arial" panose="020B0604020202020204" pitchFamily="34" charset="0"/>
+                <a:cs typeface="Arial" panose="020B0604020202020204" pitchFamily="34" charset="0"/>
+              </a:rPr>
+              <a:t>GitHub Repository</a:t>
+            </a:r>
+          </a:p>
+        </p:txBody>
+      </p:sp>
+      <p:pic>
+        <p:nvPicPr>
+          <p:cNvPr id="71" name="Picture 70">
+            <a:extLst>
+              <a:ext uri="{FF2B5EF4-FFF2-40B4-BE49-F238E27FC236}">
+                <a16:creationId xmlns:a16="http://schemas.microsoft.com/office/drawing/2014/main" id="{FD9F4FCA-6998-B747-8B94-137A46108497}"/>
+              </a:ext>
+            </a:extLst>
+          </p:cNvPr>
+          <p:cNvPicPr>
+            <a:picLocks noChangeAspect="1"/>
+          </p:cNvPicPr>
+          <p:nvPr/>
+        </p:nvPicPr>
+        <p:blipFill>
+          <a:blip r:embed="rId13"/>
+          <a:stretch>
+            <a:fillRect/>
+          </a:stretch>
+        </p:blipFill>
+        <p:spPr>
+          <a:xfrm>
+            <a:off x="1962809" y="2453724"/>
+            <a:ext cx="700067" cy="700067"/>
+          </a:xfrm>
+          <a:prstGeom prst="rect">
+            <a:avLst/>
+          </a:prstGeom>
+        </p:spPr>
+      </p:pic>
+      <p:cxnSp>
+        <p:nvCxnSpPr>
+          <p:cNvPr id="73" name="Straight Arrow Connector 72">
+            <a:extLst>
+              <a:ext uri="{FF2B5EF4-FFF2-40B4-BE49-F238E27FC236}">
+                <a16:creationId xmlns:a16="http://schemas.microsoft.com/office/drawing/2014/main" id="{B1612FFA-EF4B-4765-9B40-8AFC7BA2D047}"/>
+              </a:ext>
+            </a:extLst>
+          </p:cNvPr>
+          <p:cNvCxnSpPr>
+            <a:cxnSpLocks/>
+            <a:stCxn id="71" idx="3"/>
+            <a:endCxn id="38" idx="1"/>
+          </p:cNvCxnSpPr>
+          <p:nvPr/>
+        </p:nvCxnSpPr>
+        <p:spPr>
+          <a:xfrm flipV="1">
+            <a:off x="2662876" y="2803757"/>
+            <a:ext cx="1094647" cy="1"/>
+          </a:xfrm>
+          <a:prstGeom prst="straightConnector1">
+            <a:avLst/>
+          </a:prstGeom>
+          <a:ln w="12700">
+            <a:solidFill>
+              <a:srgbClr val="545B64"/>
+            </a:solidFill>
+            <a:headEnd type="none" w="med" len="sm"/>
+            <a:tailEnd type="arrow" w="med" len="sm"/>
+          </a:ln>
+        </p:spPr>
+        <p:style>
+          <a:lnRef idx="1">
+            <a:schemeClr val="accent1"/>
+          </a:lnRef>
+          <a:fillRef idx="0">
+            <a:schemeClr val="accent1"/>
+          </a:fillRef>
+          <a:effectRef idx="0">
+            <a:schemeClr val="accent1"/>
+          </a:effectRef>
+          <a:fontRef idx="minor">
+            <a:schemeClr val="tx1"/>
+          </a:fontRef>
+        </p:style>
+      </p:cxnSp>
+      <p:sp>
+        <p:nvSpPr>
+          <p:cNvPr id="33" name="TextBox 17">
+            <a:extLst>
+              <a:ext uri="{FF2B5EF4-FFF2-40B4-BE49-F238E27FC236}">
+                <a16:creationId xmlns:a16="http://schemas.microsoft.com/office/drawing/2014/main" id="{1AF98220-D28B-4ACB-9DE5-650D90C33FDF}"/>
+              </a:ext>
+            </a:extLst>
+          </p:cNvPr>
+          <p:cNvSpPr txBox="1">
+            <a:spLocks noChangeArrowheads="1"/>
+          </p:cNvSpPr>
+          <p:nvPr/>
+        </p:nvSpPr>
+        <p:spPr bwMode="auto">
+          <a:xfrm>
+            <a:off x="6772947" y="5979406"/>
+            <a:ext cx="1362074" cy="276999"/>
+          </a:xfrm>
+          <a:prstGeom prst="rect">
+            <a:avLst/>
+          </a:prstGeom>
+          <a:noFill/>
+          <a:ln>
+            <a:noFill/>
+          </a:ln>
+          <a:extLst>
+            <a:ext uri="{909E8E84-426E-40DD-AFC4-6F175D3DCCD1}">
+              <a14:hiddenFill xmlns:a14="http://schemas.microsoft.com/office/drawing/2010/main">
+                <a:solidFill>
+                  <a:srgbClr val="FFFFFF"/>
+                </a:solidFill>
+              </a14:hiddenFill>
+            </a:ext>
+            <a:ext uri="{91240B29-F687-4F45-9708-019B960494DF}">
+              <a14:hiddenLine xmlns:a14="http://schemas.microsoft.com/office/drawing/2010/main" w="9525">
+                <a:solidFill>
+                  <a:srgbClr val="000000"/>
+                </a:solidFill>
+                <a:miter lim="800000"/>
+                <a:headEnd/>
+                <a:tailEnd/>
+              </a14:hiddenLine>
+            </a:ext>
+          </a:extLst>
+        </p:spPr>
+        <p:txBody>
+          <a:bodyPr wrap="square">
+            <a:spAutoFit/>
+          </a:bodyPr>
+          <a:lstStyle>
+            <a:lvl1pPr>
+              <a:defRPr>
+                <a:solidFill>
+                  <a:schemeClr val="tx1"/>
+                </a:solidFill>
+                <a:latin typeface="Calibri" panose="020F0502020204030204" pitchFamily="34" charset="0"/>
+              </a:defRPr>
+            </a:lvl1pPr>
+            <a:lvl2pPr marL="742950" indent="-285750">
+              <a:defRPr>
+                <a:solidFill>
+                  <a:schemeClr val="tx1"/>
+                </a:solidFill>
+                <a:latin typeface="Calibri" panose="020F0502020204030204" pitchFamily="34" charset="0"/>
+              </a:defRPr>
+            </a:lvl2pPr>
+            <a:lvl3pPr marL="1143000" indent="-228600">
+              <a:defRPr>
+                <a:solidFill>
+                  <a:schemeClr val="tx1"/>
+                </a:solidFill>
+                <a:latin typeface="Calibri" panose="020F0502020204030204" pitchFamily="34" charset="0"/>
+              </a:defRPr>
+            </a:lvl3pPr>
+            <a:lvl4pPr marL="1600200" indent="-228600">
+              <a:defRPr>
+                <a:solidFill>
+                  <a:schemeClr val="tx1"/>
+                </a:solidFill>
+                <a:latin typeface="Calibri" panose="020F0502020204030204" pitchFamily="34" charset="0"/>
+              </a:defRPr>
+            </a:lvl4pPr>
+            <a:lvl5pPr marL="2057400" indent="-228600">
+              <a:defRPr>
+                <a:solidFill>
+                  <a:schemeClr val="tx1"/>
+                </a:solidFill>
+                <a:latin typeface="Calibri" panose="020F0502020204030204" pitchFamily="34" charset="0"/>
+              </a:defRPr>
+            </a:lvl5pPr>
+            <a:lvl6pPr marL="2514600" indent="-228600" eaLnBrk="0" fontAlgn="base" hangingPunct="0">
+              <a:spcBef>
+                <a:spcPct val="0"/>
+              </a:spcBef>
+              <a:spcAft>
+                <a:spcPct val="0"/>
+              </a:spcAft>
+              <a:defRPr>
+                <a:solidFill>
+                  <a:schemeClr val="tx1"/>
+                </a:solidFill>
+                <a:latin typeface="Calibri" panose="020F0502020204030204" pitchFamily="34" charset="0"/>
+              </a:defRPr>
+            </a:lvl6pPr>
+            <a:lvl7pPr marL="2971800" indent="-228600" eaLnBrk="0" fontAlgn="base" hangingPunct="0">
+              <a:spcBef>
+                <a:spcPct val="0"/>
+              </a:spcBef>
+              <a:spcAft>
+                <a:spcPct val="0"/>
+              </a:spcAft>
+              <a:defRPr>
+                <a:solidFill>
+                  <a:schemeClr val="tx1"/>
+                </a:solidFill>
+                <a:latin typeface="Calibri" panose="020F0502020204030204" pitchFamily="34" charset="0"/>
+              </a:defRPr>
+            </a:lvl7pPr>
+            <a:lvl8pPr marL="3429000" indent="-228600" eaLnBrk="0" fontAlgn="base" hangingPunct="0">
+              <a:spcBef>
+                <a:spcPct val="0"/>
+              </a:spcBef>
+              <a:spcAft>
+                <a:spcPct val="0"/>
+              </a:spcAft>
+              <a:defRPr>
+                <a:solidFill>
+                  <a:schemeClr val="tx1"/>
+                </a:solidFill>
+                <a:latin typeface="Calibri" panose="020F0502020204030204" pitchFamily="34" charset="0"/>
+              </a:defRPr>
+            </a:lvl8pPr>
+            <a:lvl9pPr marL="3886200" indent="-228600" eaLnBrk="0" fontAlgn="base" hangingPunct="0">
+              <a:spcBef>
+                <a:spcPct val="0"/>
+              </a:spcBef>
+              <a:spcAft>
+                <a:spcPct val="0"/>
+              </a:spcAft>
+              <a:defRPr>
+                <a:solidFill>
+                  <a:schemeClr val="tx1"/>
+                </a:solidFill>
+                <a:latin typeface="Calibri" panose="020F0502020204030204" pitchFamily="34" charset="0"/>
+              </a:defRPr>
+            </a:lvl9pPr>
+          </a:lstStyle>
+          <a:p>
+            <a:pPr algn="ctr" eaLnBrk="1" hangingPunct="1"/>
+            <a:r>
+              <a:rPr lang="en-US" altLang="en-US" sz="1200" dirty="0">
+                <a:latin typeface="Arial" panose="020B0604020202020204" pitchFamily="34" charset="0"/>
+                <a:ea typeface="Amazon Ember" panose="020B0603020204020204" pitchFamily="34" charset="0"/>
+                <a:cs typeface="Arial" panose="020B0604020202020204" pitchFamily="34" charset="0"/>
+              </a:rPr>
+              <a:t>Lambda function</a:t>
+            </a:r>
+          </a:p>
+        </p:txBody>
+      </p:sp>
+      <p:pic>
+        <p:nvPicPr>
+          <p:cNvPr id="34" name="Graphic 13">
+            <a:extLst>
+              <a:ext uri="{FF2B5EF4-FFF2-40B4-BE49-F238E27FC236}">
+                <a16:creationId xmlns:a16="http://schemas.microsoft.com/office/drawing/2014/main" id="{0716F07F-5858-4FEB-ACFF-C1DE56C5ED0A}"/>
+              </a:ext>
+            </a:extLst>
+          </p:cNvPr>
+          <p:cNvPicPr>
+            <a:picLocks noChangeAspect="1" noChangeArrowheads="1"/>
+          </p:cNvPicPr>
+          <p:nvPr/>
+        </p:nvPicPr>
+        <p:blipFill>
+          <a:blip r:embed="rId14">
+            <a:extLst>
+              <a:ext uri="{28A0092B-C50C-407E-A947-70E740481C1C}">
+                <a14:useLocalDpi xmlns:a14="http://schemas.microsoft.com/office/drawing/2010/main" val="0"/>
+              </a:ext>
+            </a:extLst>
+          </a:blip>
+          <a:srcRect/>
+          <a:stretch>
+            <a:fillRect/>
+          </a:stretch>
+        </p:blipFill>
+        <p:spPr bwMode="auto">
+          <a:xfrm>
+            <a:off x="7233873" y="5369806"/>
+            <a:ext cx="457200" cy="457200"/>
+          </a:xfrm>
+          <a:prstGeom prst="rect">
+            <a:avLst/>
+          </a:prstGeom>
+          <a:noFill/>
+          <a:ln>
+            <a:noFill/>
+          </a:ln>
+          <a:extLst>
+            <a:ext uri="{909E8E84-426E-40DD-AFC4-6F175D3DCCD1}">
+              <a14:hiddenFill xmlns:a14="http://schemas.microsoft.com/office/drawing/2010/main">
+                <a:solidFill>
+                  <a:srgbClr val="FFFFFF"/>
+                </a:solidFill>
+              </a14:hiddenFill>
+            </a:ext>
+            <a:ext uri="{91240B29-F687-4F45-9708-019B960494DF}">
+              <a14:hiddenLine xmlns:a14="http://schemas.microsoft.com/office/drawing/2010/main" w="9525">
+                <a:solidFill>
+                  <a:srgbClr val="000000"/>
+                </a:solidFill>
+                <a:miter lim="800000"/>
+                <a:headEnd/>
+                <a:tailEnd/>
+              </a14:hiddenLine>
+            </a:ext>
+          </a:extLst>
+        </p:spPr>
+      </p:pic>
+      <p:pic>
+        <p:nvPicPr>
+          <p:cNvPr id="45" name="Graphic 23">
+            <a:extLst>
+              <a:ext uri="{FF2B5EF4-FFF2-40B4-BE49-F238E27FC236}">
+                <a16:creationId xmlns:a16="http://schemas.microsoft.com/office/drawing/2014/main" id="{D00AF87E-73AF-4872-AEAE-9896B76842BB}"/>
+              </a:ext>
+            </a:extLst>
+          </p:cNvPr>
+          <p:cNvPicPr>
+            <a:picLocks noChangeAspect="1" noChangeArrowheads="1"/>
+          </p:cNvPicPr>
+          <p:nvPr/>
+        </p:nvPicPr>
+        <p:blipFill>
+          <a:blip r:embed="rId15">
+            <a:extLst>
+              <a:ext uri="{96DAC541-7B7A-43D3-8B79-37D633B846F1}">
+                <asvg:svgBlip xmlns:asvg="http://schemas.microsoft.com/office/drawing/2016/SVG/main" r:embed="rId16"/>
+              </a:ext>
+            </a:extLst>
+          </a:blip>
+          <a:srcRect/>
+          <a:stretch/>
+        </p:blipFill>
+        <p:spPr bwMode="auto">
+          <a:xfrm flipH="1">
+            <a:off x="10392723" y="5363456"/>
+            <a:ext cx="469900" cy="469900"/>
+          </a:xfrm>
+          <a:prstGeom prst="rect">
+            <a:avLst/>
+          </a:prstGeom>
+          <a:noFill/>
+          <a:ln>
+            <a:noFill/>
+          </a:ln>
+          <a:extLst>
+            <a:ext uri="{909E8E84-426E-40DD-AFC4-6F175D3DCCD1}">
+              <a14:hiddenFill xmlns:a14="http://schemas.microsoft.com/office/drawing/2010/main">
+                <a:solidFill>
+                  <a:srgbClr val="FFFFFF"/>
+                </a:solidFill>
+              </a14:hiddenFill>
+            </a:ext>
+            <a:ext uri="{91240B29-F687-4F45-9708-019B960494DF}">
+              <a14:hiddenLine xmlns:a14="http://schemas.microsoft.com/office/drawing/2010/main" w="9525">
+                <a:solidFill>
+                  <a:srgbClr val="000000"/>
+                </a:solidFill>
+                <a:miter lim="800000"/>
+                <a:headEnd/>
+                <a:tailEnd/>
+              </a14:hiddenLine>
+            </a:ext>
+          </a:extLst>
+        </p:spPr>
+      </p:pic>
+      <p:sp>
+        <p:nvSpPr>
+          <p:cNvPr id="46" name="TextBox 40">
+            <a:extLst>
+              <a:ext uri="{FF2B5EF4-FFF2-40B4-BE49-F238E27FC236}">
+                <a16:creationId xmlns:a16="http://schemas.microsoft.com/office/drawing/2014/main" id="{944F75AB-7FF8-4E28-8005-D913D269610C}"/>
+              </a:ext>
+            </a:extLst>
+          </p:cNvPr>
+          <p:cNvSpPr txBox="1">
+            <a:spLocks noChangeArrowheads="1"/>
+          </p:cNvSpPr>
+          <p:nvPr/>
+        </p:nvSpPr>
+        <p:spPr bwMode="auto">
+          <a:xfrm>
+            <a:off x="10091098" y="5979406"/>
+            <a:ext cx="1073150" cy="276999"/>
+          </a:xfrm>
+          <a:prstGeom prst="rect">
+            <a:avLst/>
+          </a:prstGeom>
+          <a:noFill/>
+          <a:ln>
+            <a:noFill/>
+          </a:ln>
+          <a:extLst>
+            <a:ext uri="{909E8E84-426E-40DD-AFC4-6F175D3DCCD1}">
+              <a14:hiddenFill xmlns:a14="http://schemas.microsoft.com/office/drawing/2010/main">
+                <a:solidFill>
+                  <a:srgbClr val="FFFFFF"/>
+                </a:solidFill>
+              </a14:hiddenFill>
+            </a:ext>
+            <a:ext uri="{91240B29-F687-4F45-9708-019B960494DF}">
+              <a14:hiddenLine xmlns:a14="http://schemas.microsoft.com/office/drawing/2010/main" w="9525">
+                <a:solidFill>
+                  <a:srgbClr val="000000"/>
+                </a:solidFill>
+                <a:miter lim="800000"/>
+                <a:headEnd/>
+                <a:tailEnd/>
+              </a14:hiddenLine>
+            </a:ext>
+          </a:extLst>
+        </p:spPr>
+        <p:txBody>
+          <a:bodyPr>
+            <a:spAutoFit/>
+          </a:bodyPr>
+          <a:lstStyle>
+            <a:lvl1pPr>
+              <a:defRPr>
+                <a:solidFill>
+                  <a:schemeClr val="tx1"/>
+                </a:solidFill>
+                <a:latin typeface="Calibri" panose="020F0502020204030204" pitchFamily="34" charset="0"/>
+              </a:defRPr>
+            </a:lvl1pPr>
+            <a:lvl2pPr marL="742950" indent="-285750">
+              <a:defRPr>
+                <a:solidFill>
+                  <a:schemeClr val="tx1"/>
+                </a:solidFill>
+                <a:latin typeface="Calibri" panose="020F0502020204030204" pitchFamily="34" charset="0"/>
+              </a:defRPr>
+            </a:lvl2pPr>
+            <a:lvl3pPr marL="1143000" indent="-228600">
+              <a:defRPr>
+                <a:solidFill>
+                  <a:schemeClr val="tx1"/>
+                </a:solidFill>
+                <a:latin typeface="Calibri" panose="020F0502020204030204" pitchFamily="34" charset="0"/>
+              </a:defRPr>
+            </a:lvl3pPr>
+            <a:lvl4pPr marL="1600200" indent="-228600">
+              <a:defRPr>
+                <a:solidFill>
+                  <a:schemeClr val="tx1"/>
+                </a:solidFill>
+                <a:latin typeface="Calibri" panose="020F0502020204030204" pitchFamily="34" charset="0"/>
+              </a:defRPr>
+            </a:lvl4pPr>
+            <a:lvl5pPr marL="2057400" indent="-228600">
+              <a:defRPr>
+                <a:solidFill>
+                  <a:schemeClr val="tx1"/>
+                </a:solidFill>
+                <a:latin typeface="Calibri" panose="020F0502020204030204" pitchFamily="34" charset="0"/>
+              </a:defRPr>
+            </a:lvl5pPr>
+            <a:lvl6pPr marL="2514600" indent="-228600" eaLnBrk="0" fontAlgn="base" hangingPunct="0">
+              <a:spcBef>
+                <a:spcPct val="0"/>
+              </a:spcBef>
+              <a:spcAft>
+                <a:spcPct val="0"/>
+              </a:spcAft>
+              <a:defRPr>
+                <a:solidFill>
+                  <a:schemeClr val="tx1"/>
+                </a:solidFill>
+                <a:latin typeface="Calibri" panose="020F0502020204030204" pitchFamily="34" charset="0"/>
+              </a:defRPr>
+            </a:lvl6pPr>
+            <a:lvl7pPr marL="2971800" indent="-228600" eaLnBrk="0" fontAlgn="base" hangingPunct="0">
+              <a:spcBef>
+                <a:spcPct val="0"/>
+              </a:spcBef>
+              <a:spcAft>
+                <a:spcPct val="0"/>
+              </a:spcAft>
+              <a:defRPr>
+                <a:solidFill>
+                  <a:schemeClr val="tx1"/>
+                </a:solidFill>
+                <a:latin typeface="Calibri" panose="020F0502020204030204" pitchFamily="34" charset="0"/>
+              </a:defRPr>
+            </a:lvl7pPr>
+            <a:lvl8pPr marL="3429000" indent="-228600" eaLnBrk="0" fontAlgn="base" hangingPunct="0">
+              <a:spcBef>
+                <a:spcPct val="0"/>
+              </a:spcBef>
+              <a:spcAft>
+                <a:spcPct val="0"/>
+              </a:spcAft>
+              <a:defRPr>
+                <a:solidFill>
+                  <a:schemeClr val="tx1"/>
+                </a:solidFill>
+                <a:latin typeface="Calibri" panose="020F0502020204030204" pitchFamily="34" charset="0"/>
+              </a:defRPr>
+            </a:lvl8pPr>
+            <a:lvl9pPr marL="3886200" indent="-228600" eaLnBrk="0" fontAlgn="base" hangingPunct="0">
+              <a:spcBef>
+                <a:spcPct val="0"/>
+              </a:spcBef>
+              <a:spcAft>
+                <a:spcPct val="0"/>
+              </a:spcAft>
+              <a:defRPr>
+                <a:solidFill>
+                  <a:schemeClr val="tx1"/>
+                </a:solidFill>
+                <a:latin typeface="Calibri" panose="020F0502020204030204" pitchFamily="34" charset="0"/>
+              </a:defRPr>
+            </a:lvl9pPr>
+          </a:lstStyle>
+          <a:p>
+            <a:pPr algn="ctr" eaLnBrk="1" hangingPunct="1"/>
+            <a:r>
+              <a:rPr lang="en-US" altLang="en-US" sz="1200" dirty="0">
+                <a:solidFill>
+                  <a:srgbClr val="000000"/>
+                </a:solidFill>
+                <a:latin typeface="Arial" panose="020B0604020202020204" pitchFamily="34" charset="0"/>
+                <a:cs typeface="Arial" panose="020B0604020202020204" pitchFamily="34" charset="0"/>
+              </a:rPr>
+              <a:t>Clients</a:t>
+            </a:r>
+          </a:p>
+        </p:txBody>
+      </p:sp>
+      <p:cxnSp>
+        <p:nvCxnSpPr>
+          <p:cNvPr id="49" name="Straight Arrow Connector 48">
+            <a:extLst>
+              <a:ext uri="{FF2B5EF4-FFF2-40B4-BE49-F238E27FC236}">
+                <a16:creationId xmlns:a16="http://schemas.microsoft.com/office/drawing/2014/main" id="{675B621A-D843-404D-BD02-AB581B3492CF}"/>
+              </a:ext>
+            </a:extLst>
+          </p:cNvPr>
+          <p:cNvCxnSpPr>
+            <a:cxnSpLocks/>
+            <a:stCxn id="51" idx="3"/>
+            <a:endCxn id="45" idx="3"/>
+          </p:cNvCxnSpPr>
+          <p:nvPr/>
+        </p:nvCxnSpPr>
+        <p:spPr>
+          <a:xfrm>
+            <a:off x="9384632" y="5598406"/>
+            <a:ext cx="1008091" cy="0"/>
+          </a:xfrm>
+          <a:prstGeom prst="straightConnector1">
+            <a:avLst/>
+          </a:prstGeom>
+          <a:ln w="12700">
+            <a:solidFill>
+              <a:schemeClr val="tx2"/>
+            </a:solidFill>
+            <a:headEnd type="arrow" w="med" len="sm"/>
+            <a:tailEnd type="arrow" w="med" len="sm"/>
+          </a:ln>
+        </p:spPr>
+        <p:style>
+          <a:lnRef idx="1">
+            <a:schemeClr val="accent1"/>
+          </a:lnRef>
+          <a:fillRef idx="0">
+            <a:schemeClr val="accent1"/>
+          </a:fillRef>
+          <a:effectRef idx="0">
+            <a:schemeClr val="accent1"/>
+          </a:effectRef>
+          <a:fontRef idx="minor">
+            <a:schemeClr val="tx1"/>
+          </a:fontRef>
+        </p:style>
+      </p:cxnSp>
+      <p:pic>
+        <p:nvPicPr>
+          <p:cNvPr id="50" name="Graphic 19">
+            <a:extLst>
+              <a:ext uri="{FF2B5EF4-FFF2-40B4-BE49-F238E27FC236}">
+                <a16:creationId xmlns:a16="http://schemas.microsoft.com/office/drawing/2014/main" id="{AA60EF4F-651A-46EF-B4F7-BD3E9CB00702}"/>
+              </a:ext>
+            </a:extLst>
+          </p:cNvPr>
+          <p:cNvPicPr>
+            <a:picLocks noChangeAspect="1" noChangeArrowheads="1"/>
+          </p:cNvPicPr>
+          <p:nvPr/>
+        </p:nvPicPr>
+        <p:blipFill>
+          <a:blip r:embed="rId17">
+            <a:extLst>
+              <a:ext uri="{28A0092B-C50C-407E-A947-70E740481C1C}">
+                <a14:useLocalDpi xmlns:a14="http://schemas.microsoft.com/office/drawing/2010/main" val="0"/>
+              </a:ext>
+            </a:extLst>
+          </a:blip>
+          <a:srcRect/>
+          <a:stretch>
+            <a:fillRect/>
+          </a:stretch>
+        </p:blipFill>
+        <p:spPr bwMode="auto">
+          <a:xfrm>
+            <a:off x="5532208" y="3817945"/>
+            <a:ext cx="762000" cy="762000"/>
+          </a:xfrm>
+          <a:prstGeom prst="rect">
+            <a:avLst/>
+          </a:prstGeom>
+          <a:noFill/>
+          <a:ln>
+            <a:noFill/>
+          </a:ln>
+          <a:extLst>
+            <a:ext uri="{909E8E84-426E-40DD-AFC4-6F175D3DCCD1}">
+              <a14:hiddenFill xmlns:a14="http://schemas.microsoft.com/office/drawing/2010/main">
+                <a:solidFill>
+                  <a:srgbClr val="FFFFFF"/>
+                </a:solidFill>
+              </a14:hiddenFill>
+            </a:ext>
+            <a:ext uri="{91240B29-F687-4F45-9708-019B960494DF}">
+              <a14:hiddenLine xmlns:a14="http://schemas.microsoft.com/office/drawing/2010/main" w="9525">
+                <a:solidFill>
+                  <a:srgbClr val="000000"/>
+                </a:solidFill>
+                <a:miter lim="800000"/>
+                <a:headEnd/>
+                <a:tailEnd/>
+              </a14:hiddenLine>
+            </a:ext>
+          </a:extLst>
+        </p:spPr>
+      </p:pic>
+      <p:sp>
+        <p:nvSpPr>
+          <p:cNvPr id="53" name="TextBox 12">
+            <a:extLst>
+              <a:ext uri="{FF2B5EF4-FFF2-40B4-BE49-F238E27FC236}">
+                <a16:creationId xmlns:a16="http://schemas.microsoft.com/office/drawing/2014/main" id="{91DC2917-BA3B-427A-A0EF-7B208344F7CB}"/>
+              </a:ext>
+            </a:extLst>
+          </p:cNvPr>
+          <p:cNvSpPr txBox="1">
+            <a:spLocks noChangeArrowheads="1"/>
+          </p:cNvSpPr>
+          <p:nvPr/>
+        </p:nvSpPr>
+        <p:spPr bwMode="auto">
+          <a:xfrm>
+            <a:off x="4773383" y="4579945"/>
+            <a:ext cx="2279650" cy="461665"/>
+          </a:xfrm>
+          <a:prstGeom prst="rect">
+            <a:avLst/>
+          </a:prstGeom>
+          <a:noFill/>
+          <a:ln>
+            <a:noFill/>
+          </a:ln>
+          <a:extLst>
+            <a:ext uri="{909E8E84-426E-40DD-AFC4-6F175D3DCCD1}">
+              <a14:hiddenFill xmlns:a14="http://schemas.microsoft.com/office/drawing/2010/main">
+                <a:solidFill>
+                  <a:srgbClr val="FFFFFF"/>
+                </a:solidFill>
+              </a14:hiddenFill>
+            </a:ext>
+            <a:ext uri="{91240B29-F687-4F45-9708-019B960494DF}">
+              <a14:hiddenLine xmlns:a14="http://schemas.microsoft.com/office/drawing/2010/main" w="9525">
+                <a:solidFill>
+                  <a:srgbClr val="000000"/>
+                </a:solidFill>
+                <a:miter lim="800000"/>
+                <a:headEnd/>
+                <a:tailEnd/>
+              </a14:hiddenLine>
+            </a:ext>
+          </a:extLst>
+        </p:spPr>
+        <p:txBody>
+          <a:bodyPr>
+            <a:spAutoFit/>
+          </a:bodyPr>
+          <a:lstStyle>
+            <a:lvl1pPr>
+              <a:defRPr>
+                <a:solidFill>
+                  <a:schemeClr val="tx1"/>
+                </a:solidFill>
+                <a:latin typeface="Calibri" panose="020F0502020204030204" pitchFamily="34" charset="0"/>
+              </a:defRPr>
+            </a:lvl1pPr>
+            <a:lvl2pPr marL="742950" indent="-285750">
+              <a:defRPr>
+                <a:solidFill>
+                  <a:schemeClr val="tx1"/>
+                </a:solidFill>
+                <a:latin typeface="Calibri" panose="020F0502020204030204" pitchFamily="34" charset="0"/>
+              </a:defRPr>
+            </a:lvl2pPr>
+            <a:lvl3pPr marL="1143000" indent="-228600">
+              <a:defRPr>
+                <a:solidFill>
+                  <a:schemeClr val="tx1"/>
+                </a:solidFill>
+                <a:latin typeface="Calibri" panose="020F0502020204030204" pitchFamily="34" charset="0"/>
+              </a:defRPr>
+            </a:lvl3pPr>
+            <a:lvl4pPr marL="1600200" indent="-228600">
+              <a:defRPr>
+                <a:solidFill>
+                  <a:schemeClr val="tx1"/>
+                </a:solidFill>
+                <a:latin typeface="Calibri" panose="020F0502020204030204" pitchFamily="34" charset="0"/>
+              </a:defRPr>
+            </a:lvl4pPr>
+            <a:lvl5pPr marL="2057400" indent="-228600">
+              <a:defRPr>
+                <a:solidFill>
+                  <a:schemeClr val="tx1"/>
+                </a:solidFill>
+                <a:latin typeface="Calibri" panose="020F0502020204030204" pitchFamily="34" charset="0"/>
+              </a:defRPr>
+            </a:lvl5pPr>
+            <a:lvl6pPr marL="2514600" indent="-228600" eaLnBrk="0" fontAlgn="base" hangingPunct="0">
+              <a:spcBef>
+                <a:spcPct val="0"/>
+              </a:spcBef>
+              <a:spcAft>
+                <a:spcPct val="0"/>
+              </a:spcAft>
+              <a:defRPr>
+                <a:solidFill>
+                  <a:schemeClr val="tx1"/>
+                </a:solidFill>
+                <a:latin typeface="Calibri" panose="020F0502020204030204" pitchFamily="34" charset="0"/>
+              </a:defRPr>
+            </a:lvl6pPr>
+            <a:lvl7pPr marL="2971800" indent="-228600" eaLnBrk="0" fontAlgn="base" hangingPunct="0">
+              <a:spcBef>
+                <a:spcPct val="0"/>
+              </a:spcBef>
+              <a:spcAft>
+                <a:spcPct val="0"/>
+              </a:spcAft>
+              <a:defRPr>
+                <a:solidFill>
+                  <a:schemeClr val="tx1"/>
+                </a:solidFill>
+                <a:latin typeface="Calibri" panose="020F0502020204030204" pitchFamily="34" charset="0"/>
+              </a:defRPr>
+            </a:lvl7pPr>
+            <a:lvl8pPr marL="3429000" indent="-228600" eaLnBrk="0" fontAlgn="base" hangingPunct="0">
+              <a:spcBef>
+                <a:spcPct val="0"/>
+              </a:spcBef>
+              <a:spcAft>
+                <a:spcPct val="0"/>
+              </a:spcAft>
+              <a:defRPr>
+                <a:solidFill>
+                  <a:schemeClr val="tx1"/>
+                </a:solidFill>
+                <a:latin typeface="Calibri" panose="020F0502020204030204" pitchFamily="34" charset="0"/>
+              </a:defRPr>
+            </a:lvl8pPr>
+            <a:lvl9pPr marL="3886200" indent="-228600" eaLnBrk="0" fontAlgn="base" hangingPunct="0">
+              <a:spcBef>
+                <a:spcPct val="0"/>
+              </a:spcBef>
+              <a:spcAft>
+                <a:spcPct val="0"/>
+              </a:spcAft>
+              <a:defRPr>
+                <a:solidFill>
+                  <a:schemeClr val="tx1"/>
+                </a:solidFill>
+                <a:latin typeface="Calibri" panose="020F0502020204030204" pitchFamily="34" charset="0"/>
+              </a:defRPr>
+            </a:lvl9pPr>
+          </a:lstStyle>
+          <a:p>
+            <a:pPr algn="ctr" eaLnBrk="1" hangingPunct="1"/>
+            <a:r>
+              <a:rPr lang="en-US" altLang="en-US" sz="1200" dirty="0">
+                <a:latin typeface="Arial" panose="020B0604020202020204" pitchFamily="34" charset="0"/>
+                <a:ea typeface="Amazon Ember" panose="020B0603020204020204" pitchFamily="34" charset="0"/>
+                <a:cs typeface="Arial" panose="020B0604020202020204" pitchFamily="34" charset="0"/>
+              </a:rPr>
+              <a:t>AWS Identity and Access Management (IAM)</a:t>
+            </a:r>
+          </a:p>
+        </p:txBody>
+      </p:sp>
+      <p:pic>
+        <p:nvPicPr>
+          <p:cNvPr id="56" name="Graphic 21">
+            <a:extLst>
+              <a:ext uri="{FF2B5EF4-FFF2-40B4-BE49-F238E27FC236}">
+                <a16:creationId xmlns:a16="http://schemas.microsoft.com/office/drawing/2014/main" id="{7707E2B0-B47B-4CC7-AA04-8692A23A4B2F}"/>
+              </a:ext>
+            </a:extLst>
+          </p:cNvPr>
+          <p:cNvPicPr>
+            <a:picLocks noChangeAspect="1" noChangeArrowheads="1"/>
+          </p:cNvPicPr>
+          <p:nvPr/>
+        </p:nvPicPr>
+        <p:blipFill>
+          <a:blip r:embed="rId18">
+            <a:extLst>
+              <a:ext uri="{28A0092B-C50C-407E-A947-70E740481C1C}">
+                <a14:useLocalDpi xmlns:a14="http://schemas.microsoft.com/office/drawing/2010/main" val="0"/>
+              </a:ext>
+            </a:extLst>
+          </a:blip>
+          <a:srcRect/>
+          <a:stretch>
+            <a:fillRect/>
+          </a:stretch>
+        </p:blipFill>
+        <p:spPr bwMode="auto">
+          <a:xfrm>
+            <a:off x="5532208" y="5217406"/>
+            <a:ext cx="762000" cy="762000"/>
+          </a:xfrm>
+          <a:prstGeom prst="rect">
+            <a:avLst/>
+          </a:prstGeom>
+          <a:noFill/>
+          <a:ln>
+            <a:noFill/>
+          </a:ln>
+          <a:extLst>
+            <a:ext uri="{909E8E84-426E-40DD-AFC4-6F175D3DCCD1}">
+              <a14:hiddenFill xmlns:a14="http://schemas.microsoft.com/office/drawing/2010/main">
+                <a:solidFill>
+                  <a:srgbClr val="FFFFFF"/>
+                </a:solidFill>
+              </a14:hiddenFill>
+            </a:ext>
+            <a:ext uri="{91240B29-F687-4F45-9708-019B960494DF}">
+              <a14:hiddenLine xmlns:a14="http://schemas.microsoft.com/office/drawing/2010/main" w="9525">
+                <a:solidFill>
+                  <a:srgbClr val="000000"/>
+                </a:solidFill>
+                <a:miter lim="800000"/>
+                <a:headEnd/>
+                <a:tailEnd/>
+              </a14:hiddenLine>
+            </a:ext>
+          </a:extLst>
+        </p:spPr>
+      </p:pic>
+      <p:sp>
+        <p:nvSpPr>
+          <p:cNvPr id="59" name="TextBox 12">
+            <a:extLst>
+              <a:ext uri="{FF2B5EF4-FFF2-40B4-BE49-F238E27FC236}">
+                <a16:creationId xmlns:a16="http://schemas.microsoft.com/office/drawing/2014/main" id="{EE763960-D2A7-4E47-9473-F3CE4CB9776B}"/>
+              </a:ext>
+            </a:extLst>
+          </p:cNvPr>
+          <p:cNvSpPr txBox="1">
+            <a:spLocks noChangeArrowheads="1"/>
+          </p:cNvSpPr>
+          <p:nvPr/>
+        </p:nvSpPr>
+        <p:spPr bwMode="auto">
+          <a:xfrm>
+            <a:off x="4773383" y="5979406"/>
+            <a:ext cx="2279650" cy="276999"/>
+          </a:xfrm>
+          <a:prstGeom prst="rect">
+            <a:avLst/>
+          </a:prstGeom>
+          <a:noFill/>
+          <a:ln>
+            <a:noFill/>
+          </a:ln>
+          <a:extLst>
+            <a:ext uri="{909E8E84-426E-40DD-AFC4-6F175D3DCCD1}">
+              <a14:hiddenFill xmlns:a14="http://schemas.microsoft.com/office/drawing/2010/main">
+                <a:solidFill>
+                  <a:srgbClr val="FFFFFF"/>
+                </a:solidFill>
+              </a14:hiddenFill>
+            </a:ext>
+            <a:ext uri="{91240B29-F687-4F45-9708-019B960494DF}">
+              <a14:hiddenLine xmlns:a14="http://schemas.microsoft.com/office/drawing/2010/main" w="9525">
+                <a:solidFill>
+                  <a:srgbClr val="000000"/>
+                </a:solidFill>
+                <a:miter lim="800000"/>
+                <a:headEnd/>
+                <a:tailEnd/>
+              </a14:hiddenLine>
+            </a:ext>
+          </a:extLst>
+        </p:spPr>
+        <p:txBody>
+          <a:bodyPr>
+            <a:spAutoFit/>
+          </a:bodyPr>
+          <a:lstStyle>
+            <a:lvl1pPr>
+              <a:defRPr>
+                <a:solidFill>
+                  <a:schemeClr val="tx1"/>
+                </a:solidFill>
+                <a:latin typeface="Calibri" panose="020F0502020204030204" pitchFamily="34" charset="0"/>
+              </a:defRPr>
+            </a:lvl1pPr>
+            <a:lvl2pPr marL="742950" indent="-285750">
+              <a:defRPr>
+                <a:solidFill>
+                  <a:schemeClr val="tx1"/>
+                </a:solidFill>
+                <a:latin typeface="Calibri" panose="020F0502020204030204" pitchFamily="34" charset="0"/>
+              </a:defRPr>
+            </a:lvl2pPr>
+            <a:lvl3pPr marL="1143000" indent="-228600">
+              <a:defRPr>
+                <a:solidFill>
+                  <a:schemeClr val="tx1"/>
+                </a:solidFill>
+                <a:latin typeface="Calibri" panose="020F0502020204030204" pitchFamily="34" charset="0"/>
+              </a:defRPr>
+            </a:lvl3pPr>
+            <a:lvl4pPr marL="1600200" indent="-228600">
+              <a:defRPr>
+                <a:solidFill>
+                  <a:schemeClr val="tx1"/>
+                </a:solidFill>
+                <a:latin typeface="Calibri" panose="020F0502020204030204" pitchFamily="34" charset="0"/>
+              </a:defRPr>
+            </a:lvl4pPr>
+            <a:lvl5pPr marL="2057400" indent="-228600">
+              <a:defRPr>
+                <a:solidFill>
+                  <a:schemeClr val="tx1"/>
+                </a:solidFill>
+                <a:latin typeface="Calibri" panose="020F0502020204030204" pitchFamily="34" charset="0"/>
+              </a:defRPr>
+            </a:lvl5pPr>
+            <a:lvl6pPr marL="2514600" indent="-228600" eaLnBrk="0" fontAlgn="base" hangingPunct="0">
+              <a:spcBef>
+                <a:spcPct val="0"/>
+              </a:spcBef>
+              <a:spcAft>
+                <a:spcPct val="0"/>
+              </a:spcAft>
+              <a:defRPr>
+                <a:solidFill>
+                  <a:schemeClr val="tx1"/>
+                </a:solidFill>
+                <a:latin typeface="Calibri" panose="020F0502020204030204" pitchFamily="34" charset="0"/>
+              </a:defRPr>
+            </a:lvl6pPr>
+            <a:lvl7pPr marL="2971800" indent="-228600" eaLnBrk="0" fontAlgn="base" hangingPunct="0">
+              <a:spcBef>
+                <a:spcPct val="0"/>
+              </a:spcBef>
+              <a:spcAft>
+                <a:spcPct val="0"/>
+              </a:spcAft>
+              <a:defRPr>
+                <a:solidFill>
+                  <a:schemeClr val="tx1"/>
+                </a:solidFill>
+                <a:latin typeface="Calibri" panose="020F0502020204030204" pitchFamily="34" charset="0"/>
+              </a:defRPr>
+            </a:lvl7pPr>
+            <a:lvl8pPr marL="3429000" indent="-228600" eaLnBrk="0" fontAlgn="base" hangingPunct="0">
+              <a:spcBef>
+                <a:spcPct val="0"/>
+              </a:spcBef>
+              <a:spcAft>
+                <a:spcPct val="0"/>
+              </a:spcAft>
+              <a:defRPr>
+                <a:solidFill>
+                  <a:schemeClr val="tx1"/>
+                </a:solidFill>
+                <a:latin typeface="Calibri" panose="020F0502020204030204" pitchFamily="34" charset="0"/>
+              </a:defRPr>
+            </a:lvl8pPr>
+            <a:lvl9pPr marL="3886200" indent="-228600" eaLnBrk="0" fontAlgn="base" hangingPunct="0">
+              <a:spcBef>
+                <a:spcPct val="0"/>
+              </a:spcBef>
+              <a:spcAft>
+                <a:spcPct val="0"/>
+              </a:spcAft>
+              <a:defRPr>
+                <a:solidFill>
+                  <a:schemeClr val="tx1"/>
+                </a:solidFill>
+                <a:latin typeface="Calibri" panose="020F0502020204030204" pitchFamily="34" charset="0"/>
+              </a:defRPr>
+            </a:lvl9pPr>
+          </a:lstStyle>
+          <a:p>
+            <a:pPr algn="ctr" eaLnBrk="1" hangingPunct="1"/>
+            <a:r>
+              <a:rPr lang="en-US" altLang="en-US" sz="1200" dirty="0">
+                <a:latin typeface="Arial" panose="020B0604020202020204" pitchFamily="34" charset="0"/>
+                <a:ea typeface="Amazon Ember" panose="020B0603020204020204" pitchFamily="34" charset="0"/>
+                <a:cs typeface="Arial" panose="020B0604020202020204" pitchFamily="34" charset="0"/>
+              </a:rPr>
+              <a:t>AWS CloudFormation</a:t>
+            </a:r>
+          </a:p>
+        </p:txBody>
+      </p:sp>
+    </p:spTree>
+    <p:extLst>
+      <p:ext uri="{BB962C8B-B14F-4D97-AF65-F5344CB8AC3E}">
+        <p14:creationId xmlns:p14="http://schemas.microsoft.com/office/powerpoint/2010/main" val="1592104209"/>
+      </p:ext>
+    </p:extLst>
+  </p:cSld>
+  <p:clrMapOvr>
+    <a:masterClrMapping/>
+  </p:clrMapOvr>
+</p:sld>
+</file>
+
+<file path=ppt/slides/slide6.xml><?xml version="1.0" encoding="utf-8"?>
+<p:sld xmlns:a="http://schemas.openxmlformats.org/drawingml/2006/main" xmlns:r="http://schemas.openxmlformats.org/officeDocument/2006/relationships" xmlns:p="http://schemas.openxmlformats.org/presentationml/2006/main">
+  <p:cSld>
+    <p:spTree>
+      <p:nvGrpSpPr>
+        <p:cNvPr id="1" name=""/>
+        <p:cNvGrpSpPr/>
+        <p:nvPr/>
+      </p:nvGrpSpPr>
+      <p:grpSpPr>
+        <a:xfrm>
+          <a:off x="0" y="0"/>
+          <a:ext cx="0" cy="0"/>
+          <a:chOff x="0" y="0"/>
+          <a:chExt cx="0" cy="0"/>
+        </a:xfrm>
+      </p:grpSpPr>
+      <p:sp>
+        <p:nvSpPr>
+          <p:cNvPr id="27" name="Rectangle 26">
+            <a:extLst>
+              <a:ext uri="{FF2B5EF4-FFF2-40B4-BE49-F238E27FC236}">
+                <a16:creationId xmlns:a16="http://schemas.microsoft.com/office/drawing/2014/main" id="{143684D6-3994-4DB9-A679-6807AB3D54D4}"/>
+              </a:ext>
+            </a:extLst>
+          </p:cNvPr>
+          <p:cNvSpPr/>
+          <p:nvPr/>
+        </p:nvSpPr>
+        <p:spPr>
+          <a:xfrm>
+            <a:off x="3353608" y="1794933"/>
+            <a:ext cx="1586910" cy="4614333"/>
+          </a:xfrm>
+          <a:prstGeom prst="rect">
+            <a:avLst/>
+          </a:prstGeom>
+          <a:noFill/>
+          <a:ln w="12700">
+            <a:solidFill>
+              <a:srgbClr val="3A47CB"/>
+            </a:solidFill>
+          </a:ln>
+        </p:spPr>
+        <p:style>
+          <a:lnRef idx="2">
+            <a:schemeClr val="accent1">
+              <a:shade val="50000"/>
+            </a:schemeClr>
+          </a:lnRef>
+          <a:fillRef idx="1">
+            <a:schemeClr val="accent1"/>
+          </a:fillRef>
+          <a:effectRef idx="0">
+            <a:schemeClr val="accent1"/>
+          </a:effectRef>
+          <a:fontRef idx="minor">
+            <a:schemeClr val="lt1"/>
+          </a:fontRef>
+        </p:style>
+        <p:txBody>
+          <a:bodyPr lIns="502920" tIns="91440"/>
+          <a:lstStyle/>
+          <a:p>
+            <a:pPr eaLnBrk="1" fontAlgn="auto" hangingPunct="1">
+              <a:spcBef>
+                <a:spcPts val="0"/>
+              </a:spcBef>
+              <a:spcAft>
+                <a:spcPts val="0"/>
+              </a:spcAft>
+              <a:defRPr/>
+            </a:pPr>
+            <a:r>
+              <a:rPr lang="en-US" sz="1200" dirty="0">
+                <a:solidFill>
+                  <a:srgbClr val="3A47CB"/>
+                </a:solidFill>
+                <a:latin typeface="Arial" panose="020B0604020202020204" pitchFamily="34" charset="0"/>
+                <a:cs typeface="Arial" panose="020B0604020202020204" pitchFamily="34" charset="0"/>
+              </a:rPr>
+              <a:t>AWS CodePipeline</a:t>
+            </a:r>
+          </a:p>
+        </p:txBody>
+      </p:sp>
+      <p:pic>
+        <p:nvPicPr>
+          <p:cNvPr id="28" name="Graphic 27">
+            <a:extLst>
+              <a:ext uri="{FF2B5EF4-FFF2-40B4-BE49-F238E27FC236}">
+                <a16:creationId xmlns:a16="http://schemas.microsoft.com/office/drawing/2014/main" id="{9CEC3FDC-4FDF-4DB8-A790-8120F19297A1}"/>
+              </a:ext>
+            </a:extLst>
+          </p:cNvPr>
+          <p:cNvPicPr>
+            <a:picLocks noChangeAspect="1"/>
+          </p:cNvPicPr>
+          <p:nvPr/>
+        </p:nvPicPr>
+        <p:blipFill>
+          <a:blip r:embed="rId2">
+            <a:extLst>
+              <a:ext uri="{96DAC541-7B7A-43D3-8B79-37D633B846F1}">
+                <asvg:svgBlip xmlns:asvg="http://schemas.microsoft.com/office/drawing/2016/SVG/main" r:embed="rId3"/>
+              </a:ext>
+            </a:extLst>
+          </a:blip>
+          <a:stretch>
+            <a:fillRect/>
+          </a:stretch>
+        </p:blipFill>
+        <p:spPr>
+          <a:xfrm>
+            <a:off x="3353606" y="1794933"/>
+            <a:ext cx="381000" cy="381000"/>
+          </a:xfrm>
+          <a:prstGeom prst="rect">
+            <a:avLst/>
+          </a:prstGeom>
+        </p:spPr>
+      </p:pic>
+      <p:sp>
+        <p:nvSpPr>
+          <p:cNvPr id="35" name="Rectangle 34">
+            <a:extLst>
+              <a:ext uri="{FF2B5EF4-FFF2-40B4-BE49-F238E27FC236}">
+                <a16:creationId xmlns:a16="http://schemas.microsoft.com/office/drawing/2014/main" id="{5B745CE8-A62F-49B7-92A7-B7E601CE9B33}"/>
+              </a:ext>
+            </a:extLst>
+          </p:cNvPr>
+          <p:cNvSpPr/>
+          <p:nvPr/>
+        </p:nvSpPr>
+        <p:spPr>
+          <a:xfrm>
+            <a:off x="2878885" y="1258247"/>
             <a:ext cx="5341090" cy="5413486"/>
           </a:xfrm>
           <a:prstGeom prst="rect">
